--- a/Documentation/Poster_flucq1.pptx
+++ b/Documentation/Poster_flucq1.pptx
@@ -948,16 +948,16 @@
         </p:spPr>
         <p:txBody>
           <a:bodyPr wrap="none" lIns="72000" tIns="72000" rIns="72000" bIns="72000" rtlCol="0">
-            <a:normAutofit lnSpcReduction="10000"/>
+            <a:normAutofit/>
           </a:bodyPr>
           <a:lstStyle/>
           <a:p>
             <a:pPr algn="ctr"/>
             <a:r>
-              <a:rPr lang="en-GB" sz="8000" dirty="0">
+              <a:rPr lang="en-GB" sz="7400" dirty="0">
                 <a:latin typeface="+mj-lt"/>
               </a:rPr>
-              <a:t>Title of Thesis.. Title of Th..</a:t>
+              <a:t>Generic smartphone game controller</a:t>
             </a:r>
           </a:p>
         </p:txBody>
@@ -971,14 +971,14 @@
           <p:nvPr>
             <p:extLst>
               <p:ext uri="{D42A27DB-BD31-4B8C-83A1-F6EECF244321}">
-                <p14:modId xmlns:p14="http://schemas.microsoft.com/office/powerpoint/2010/main" val="169698054"/>
+                <p14:modId xmlns:p14="http://schemas.microsoft.com/office/powerpoint/2010/main" val="2360032348"/>
               </p:ext>
             </p:extLst>
           </p:nvPr>
         </p:nvGraphicFramePr>
         <p:xfrm>
           <a:off x="22453624" y="18414123"/>
-          <a:ext cx="7201896" cy="2225040"/>
+          <a:ext cx="7201896" cy="1737360"/>
         </p:xfrm>
         <a:graphic>
           <a:graphicData uri="http://schemas.openxmlformats.org/drawingml/2006/table">
@@ -1108,40 +1108,7 @@
                           <a:ea typeface="MS PGothic" pitchFamily="34" charset="-128"/>
                           <a:cs typeface="+mn-cs"/>
                         </a:rPr>
-                        <a:t>First Name Last Name</a:t>
-                      </a:r>
-                      <a:br>
-                        <a:rPr kumimoji="0" lang="de-CH" sz="3200" b="0" i="0" u="none" strike="noStrike" kern="1200" cap="none" spc="0" normalizeH="0" baseline="0" dirty="0">
-                          <a:ln>
-                            <a:noFill/>
-                          </a:ln>
-                          <a:solidFill>
-                            <a:srgbClr val="697D91"/>
-                          </a:solidFill>
-                          <a:effectLst/>
-                          <a:uLnTx/>
-                          <a:uFillTx/>
-                          <a:latin typeface="Lucida Sans" pitchFamily="34" charset="0"/>
-                          <a:ea typeface="MS PGothic" pitchFamily="34" charset="-128"/>
-                          <a:cs typeface="+mn-cs"/>
-                        </a:rPr>
-                      </a:br>
-                      <a:r>
-                        <a:rPr kumimoji="0" lang="de-CH" sz="3200" b="0" i="0" u="none" strike="noStrike" kern="1200" cap="none" spc="0" normalizeH="0" baseline="0" dirty="0">
-                          <a:ln>
-                            <a:noFill/>
-                          </a:ln>
-                          <a:solidFill>
-                            <a:srgbClr val="697D91"/>
-                          </a:solidFill>
-                          <a:effectLst/>
-                          <a:uLnTx/>
-                          <a:uFillTx/>
-                          <a:latin typeface="Lucida Sans" pitchFamily="34" charset="0"/>
-                          <a:ea typeface="MS PGothic" pitchFamily="34" charset="-128"/>
-                          <a:cs typeface="+mn-cs"/>
-                        </a:rPr>
-                        <a:t>First Name Last Name</a:t>
+                        <a:t>Quentin Flückiger</a:t>
                       </a:r>
                       <a:endParaRPr kumimoji="0" lang="fr-CH" sz="3200" b="0" i="0" u="none" strike="noStrike" kern="1200" cap="none" spc="0" normalizeH="0" baseline="0" dirty="0">
                         <a:ln>
@@ -1294,7 +1261,24 @@
                           <a:ea typeface="MS PGothic" pitchFamily="34" charset="-128"/>
                           <a:cs typeface="+mn-cs"/>
                         </a:rPr>
-                        <a:t>First Name Last Name</a:t>
+                        <a:t>Marcus </a:t>
+                      </a:r>
+                      <a:r>
+                        <a:rPr kumimoji="0" lang="de-CH" sz="3200" b="0" i="0" u="none" strike="noStrike" kern="1200" cap="none" spc="0" normalizeH="0" baseline="0" dirty="0" err="1">
+                          <a:ln>
+                            <a:noFill/>
+                          </a:ln>
+                          <a:solidFill>
+                            <a:srgbClr val="697D91"/>
+                          </a:solidFill>
+                          <a:effectLst/>
+                          <a:uLnTx/>
+                          <a:uFillTx/>
+                          <a:latin typeface="Lucida Sans" pitchFamily="34" charset="0"/>
+                          <a:ea typeface="MS PGothic" pitchFamily="34" charset="-128"/>
+                          <a:cs typeface="+mn-cs"/>
+                        </a:rPr>
+                        <a:t>Hudritsch</a:t>
                       </a:r>
                       <a:endParaRPr kumimoji="0" lang="fr-CH" sz="3200" b="0" i="0" u="none" strike="noStrike" kern="1200" cap="none" spc="0" normalizeH="0" baseline="0" dirty="0">
                         <a:ln>
@@ -1447,7 +1431,24 @@
                           <a:ea typeface="MS PGothic" pitchFamily="34" charset="-128"/>
                           <a:cs typeface="+mn-cs"/>
                         </a:rPr>
-                        <a:t>First Name Last Name</a:t>
+                        <a:t>Eric </a:t>
+                      </a:r>
+                      <a:r>
+                        <a:rPr kumimoji="0" lang="de-CH" sz="3200" b="0" i="0" u="none" strike="noStrike" kern="1200" cap="none" spc="0" normalizeH="0" baseline="0" dirty="0" err="1">
+                          <a:ln>
+                            <a:noFill/>
+                          </a:ln>
+                          <a:solidFill>
+                            <a:srgbClr val="697D91"/>
+                          </a:solidFill>
+                          <a:effectLst/>
+                          <a:uLnTx/>
+                          <a:uFillTx/>
+                          <a:latin typeface="Lucida Sans" pitchFamily="34" charset="0"/>
+                          <a:ea typeface="MS PGothic" pitchFamily="34" charset="-128"/>
+                          <a:cs typeface="+mn-cs"/>
+                        </a:rPr>
+                        <a:t>Dubuis</a:t>
                       </a:r>
                       <a:endParaRPr kumimoji="0" lang="fr-CH" sz="3200" b="0" i="0" u="none" strike="noStrike" kern="1200" cap="none" spc="0" normalizeH="0" baseline="0" dirty="0">
                         <a:ln>
@@ -1573,8 +1574,8 @@
         </p:nvSpPr>
         <p:spPr>
           <a:xfrm>
-            <a:off x="898776" y="896767"/>
-            <a:ext cx="8845847" cy="1754326"/>
+            <a:off x="898775" y="896767"/>
+            <a:ext cx="8845847" cy="9140964"/>
           </a:xfrm>
           <a:prstGeom prst="rect">
             <a:avLst/>
@@ -1595,15 +1596,15 @@
               <a:defRPr/>
             </a:pPr>
             <a:r>
-              <a:rPr lang="en-GB" altLang="de-DE" sz="4400" dirty="0">
+              <a:rPr lang="en-US" altLang="de-DE" sz="4400" dirty="0">
                 <a:solidFill>
                   <a:srgbClr val="697D91"/>
                 </a:solidFill>
                 <a:latin typeface="+mj-lt"/>
               </a:rPr>
-              <a:t>Subtitles paragraph / block</a:t>
-            </a:r>
-            <a:endParaRPr lang="en-GB" altLang="de-DE" sz="3200" dirty="0">
+              <a:t>Starting position</a:t>
+            </a:r>
+            <a:endParaRPr lang="en-US" altLang="de-DE" sz="3200" dirty="0">
               <a:solidFill>
                 <a:srgbClr val="697D91"/>
               </a:solidFill>
@@ -1618,7 +1619,7 @@
               <a:buSzPct val="80000"/>
               <a:defRPr/>
             </a:pPr>
-            <a:endParaRPr lang="en-GB" altLang="de-DE" sz="3200" dirty="0">
+            <a:endParaRPr lang="en-US" altLang="de-DE" sz="3200" dirty="0">
               <a:latin typeface="Lucida Sans" pitchFamily="34" charset="0"/>
             </a:endParaRPr>
           </a:p>
@@ -1631,10 +1632,10 @@
               <a:defRPr/>
             </a:pPr>
             <a:r>
-              <a:rPr lang="en-GB" altLang="de-DE" sz="3200" dirty="0">
+              <a:rPr lang="en-US" altLang="de-DE" sz="3200" dirty="0">
                 <a:latin typeface="Lucida Sans" pitchFamily="34" charset="0"/>
               </a:rPr>
-              <a:t>Text &amp; Image</a:t>
+              <a:t>Playing games is becoming more and more popular and in everyone's day life, be it board games, video games or mobile games. Even though most of the games played on smartphone are multiplayer, they don’t involve the users to physically interact with each others. Instead they tend to isolate the players. On the contrary to split screen games on console, which are increasingly rare, but for which one needs a costly controller. This problem of equipment is located within board game as well. One game uses a set of pieces and an other one uses an other set. It is tedious to stow away a large amount of games in this case.</a:t>
             </a:r>
           </a:p>
         </p:txBody>
@@ -1648,7 +1649,7 @@
         <p:spPr>
           <a:xfrm>
             <a:off x="20356484" y="875399"/>
-            <a:ext cx="8845847" cy="1754326"/>
+            <a:ext cx="8845847" cy="5016758"/>
           </a:xfrm>
           <a:prstGeom prst="rect">
             <a:avLst/>
@@ -1668,15 +1669,6 @@
               <a:buSzPct val="80000"/>
               <a:defRPr/>
             </a:pPr>
-            <a:r>
-              <a:rPr lang="en-GB" altLang="de-DE" sz="4400" dirty="0">
-                <a:solidFill>
-                  <a:srgbClr val="697D91"/>
-                </a:solidFill>
-                <a:latin typeface="+mj-lt"/>
-              </a:rPr>
-              <a:t>Subtitles paragraph / block</a:t>
-            </a:r>
             <a:endParaRPr lang="en-GB" altLang="de-DE" sz="3200" dirty="0">
               <a:solidFill>
                 <a:srgbClr val="697D91"/>
@@ -1708,7 +1700,34 @@
               <a:rPr lang="en-GB" altLang="de-DE" sz="3200" dirty="0">
                 <a:latin typeface="Lucida Sans" pitchFamily="34" charset="0"/>
               </a:rPr>
-              <a:t>Text &amp; Image</a:t>
+              <a:t>The second one is a domino game, playable with two players. Here the controller is at the centre of the game as a domino game is a sort of card game where each player hide their hands to the other. This allowed us to start working toward a “Smart” controller. </a:t>
+            </a:r>
+          </a:p>
+          <a:p>
+            <a:pPr algn="just">
+              <a:buClr>
+                <a:srgbClr val="FAA500"/>
+              </a:buClr>
+              <a:buSzPct val="80000"/>
+              <a:defRPr/>
+            </a:pPr>
+            <a:r>
+              <a:rPr lang="fr-CH" altLang="de-DE" sz="3200" dirty="0">
+                <a:solidFill>
+                  <a:srgbClr val="FF0000"/>
+                </a:solidFill>
+                <a:latin typeface="Lucida Sans" pitchFamily="34" charset="0"/>
+              </a:rPr>
+              <a:t>M</a:t>
+            </a:r>
+            <a:r>
+              <a:rPr lang="en-GB" altLang="de-DE" sz="3200" dirty="0">
+                <a:solidFill>
+                  <a:srgbClr val="FF0000"/>
+                </a:solidFill>
+                <a:latin typeface="Lucida Sans" pitchFamily="34" charset="0"/>
+              </a:rPr>
+              <a:t>ORE TEXT HERE</a:t>
             </a:r>
           </a:p>
         </p:txBody>
@@ -1722,7 +1741,7 @@
         <p:spPr>
           <a:xfrm>
             <a:off x="10667052" y="893032"/>
-            <a:ext cx="8845847" cy="1754326"/>
+            <a:ext cx="8845847" cy="9633406"/>
           </a:xfrm>
           <a:prstGeom prst="rect">
             <a:avLst/>
@@ -1743,13 +1762,150 @@
               <a:defRPr/>
             </a:pPr>
             <a:r>
+              <a:rPr lang="en-US" altLang="de-DE" sz="4400" dirty="0">
+                <a:solidFill>
+                  <a:srgbClr val="697D91"/>
+                </a:solidFill>
+                <a:latin typeface="+mj-lt"/>
+              </a:rPr>
+              <a:t>Approach</a:t>
+            </a:r>
+            <a:endParaRPr lang="en-US" altLang="de-DE" sz="3200" dirty="0">
+              <a:solidFill>
+                <a:srgbClr val="697D91"/>
+              </a:solidFill>
+              <a:latin typeface="Lucida Sans" pitchFamily="34" charset="0"/>
+            </a:endParaRPr>
+          </a:p>
+          <a:p>
+            <a:pPr algn="just">
+              <a:buClr>
+                <a:srgbClr val="FAA500"/>
+              </a:buClr>
+              <a:buSzPct val="80000"/>
+              <a:defRPr/>
+            </a:pPr>
+            <a:endParaRPr lang="en-US" altLang="de-DE" sz="3200" dirty="0">
+              <a:latin typeface="Lucida Sans" pitchFamily="34" charset="0"/>
+            </a:endParaRPr>
+          </a:p>
+          <a:p>
+            <a:pPr algn="just">
+              <a:buClr>
+                <a:srgbClr val="FAA500"/>
+              </a:buClr>
+              <a:buSzPct val="80000"/>
+              <a:defRPr/>
+            </a:pPr>
+            <a:r>
+              <a:rPr lang="en-US" altLang="de-DE" sz="3200" dirty="0">
+                <a:latin typeface="Lucida Sans" pitchFamily="34" charset="0"/>
+              </a:rPr>
+              <a:t>As almost everyone owns a smartphone, we decided to use it as our controller.</a:t>
+            </a:r>
+          </a:p>
+          <a:p>
+            <a:pPr algn="just">
+              <a:buClr>
+                <a:srgbClr val="FAA500"/>
+              </a:buClr>
+              <a:buSzPct val="80000"/>
+              <a:defRPr/>
+            </a:pPr>
+            <a:r>
+              <a:rPr lang="en-US" altLang="de-DE" sz="3200" dirty="0">
+                <a:latin typeface="Lucida Sans" pitchFamily="34" charset="0"/>
+              </a:rPr>
+              <a:t>We chose to use smartphones as controller  </a:t>
+            </a:r>
+          </a:p>
+          <a:p>
+            <a:pPr algn="just">
+              <a:buClr>
+                <a:srgbClr val="FAA500"/>
+              </a:buClr>
+              <a:buSzPct val="80000"/>
+              <a:defRPr/>
+            </a:pPr>
+            <a:endParaRPr lang="en-US" altLang="de-DE" sz="3200" dirty="0">
+              <a:latin typeface="Lucida Sans" pitchFamily="34" charset="0"/>
+            </a:endParaRPr>
+          </a:p>
+          <a:p>
+            <a:pPr algn="just">
+              <a:buClr>
+                <a:srgbClr val="FAA500"/>
+              </a:buClr>
+              <a:buSzPct val="80000"/>
+              <a:defRPr/>
+            </a:pPr>
+            <a:r>
+              <a:rPr lang="en-US" altLang="de-DE" sz="3200" dirty="0">
+                <a:latin typeface="Lucida Sans" pitchFamily="34" charset="0"/>
+              </a:rPr>
+              <a:t>We chose to implement two games to demonstrate the base possibilities a platform such as this one would be capable off.</a:t>
+            </a:r>
+          </a:p>
+          <a:p>
+            <a:pPr algn="just">
+              <a:buClr>
+                <a:srgbClr val="FAA500"/>
+              </a:buClr>
+              <a:buSzPct val="80000"/>
+              <a:defRPr/>
+            </a:pPr>
+            <a:r>
+              <a:rPr lang="en-US" altLang="de-DE" sz="3200" dirty="0">
+                <a:latin typeface="Lucida Sans" pitchFamily="34" charset="0"/>
+              </a:rPr>
+              <a:t>The first game is a multiplayer snake, playable from one to four player where the controller is very basic with four buttons to control our snake. We decided to develop such a game to show that the smartphone is used but as a mere tool, one which the players don’t need to look at when they play and so the possibility to interact with the other increase.</a:t>
+            </a:r>
+          </a:p>
+        </p:txBody>
+      </p:sp>
+      <p:sp>
+        <p:nvSpPr>
+          <p:cNvPr id="13" name="Textfeld 5">
+            <a:extLst>
+              <a:ext uri="{FF2B5EF4-FFF2-40B4-BE49-F238E27FC236}">
+                <a16:creationId xmlns:a16="http://schemas.microsoft.com/office/drawing/2014/main" id="{675CB9F1-A0DD-4CA9-99F0-444DDD5B3F05}"/>
+              </a:ext>
+            </a:extLst>
+          </p:cNvPr>
+          <p:cNvSpPr txBox="1"/>
+          <p:nvPr/>
+        </p:nvSpPr>
+        <p:spPr>
+          <a:xfrm>
+            <a:off x="898774" y="13916974"/>
+            <a:ext cx="8845847" cy="3231654"/>
+          </a:xfrm>
+          <a:prstGeom prst="rect">
+            <a:avLst/>
+          </a:prstGeom>
+          <a:noFill/>
+        </p:spPr>
+        <p:txBody>
+          <a:bodyPr wrap="square" rtlCol="0">
+            <a:spAutoFit/>
+          </a:bodyPr>
+          <a:lstStyle/>
+          <a:p>
+            <a:pPr algn="just">
+              <a:buClr>
+                <a:srgbClr val="FAA500"/>
+              </a:buClr>
+              <a:buSzPct val="80000"/>
+              <a:defRPr/>
+            </a:pPr>
+            <a:r>
               <a:rPr lang="en-GB" altLang="de-DE" sz="4400" dirty="0">
                 <a:solidFill>
                   <a:srgbClr val="697D91"/>
                 </a:solidFill>
                 <a:latin typeface="+mj-lt"/>
               </a:rPr>
-              <a:t>Subtitles paragraph / block</a:t>
+              <a:t>Goal</a:t>
             </a:r>
             <a:endParaRPr lang="en-GB" altLang="de-DE" sz="3200" dirty="0">
               <a:solidFill>
@@ -1782,8 +1938,303 @@
               <a:rPr lang="en-GB" altLang="de-DE" sz="3200" dirty="0">
                 <a:latin typeface="Lucida Sans" pitchFamily="34" charset="0"/>
               </a:rPr>
-              <a:t>Text &amp; Image</a:t>
-            </a:r>
+              <a:t>The goal of this bachelor thesis was to develop a generic platform which uses a computer as the server that plays games and use smartphone(s) as game controller. </a:t>
+            </a:r>
+          </a:p>
+        </p:txBody>
+      </p:sp>
+      <p:sp>
+        <p:nvSpPr>
+          <p:cNvPr id="15" name="ZoneTexte 14">
+            <a:extLst>
+              <a:ext uri="{FF2B5EF4-FFF2-40B4-BE49-F238E27FC236}">
+                <a16:creationId xmlns:a16="http://schemas.microsoft.com/office/drawing/2014/main" id="{CAADC864-C58F-4107-ACC8-D9366CC6C9E7}"/>
+              </a:ext>
+            </a:extLst>
+          </p:cNvPr>
+          <p:cNvSpPr txBox="1"/>
+          <p:nvPr/>
+        </p:nvSpPr>
+        <p:spPr>
+          <a:xfrm>
+            <a:off x="10667052" y="11441178"/>
+            <a:ext cx="9689431" cy="5447645"/>
+          </a:xfrm>
+          <a:prstGeom prst="rect">
+            <a:avLst/>
+          </a:prstGeom>
+          <a:noFill/>
+        </p:spPr>
+        <p:txBody>
+          <a:bodyPr wrap="square" rtlCol="0">
+            <a:spAutoFit/>
+          </a:bodyPr>
+          <a:lstStyle/>
+          <a:p>
+            <a:r>
+              <a:rPr lang="fr-CH" dirty="0"/>
+              <a:t>PLACEHOLDER FOR PICTS</a:t>
+            </a:r>
+          </a:p>
+          <a:p>
+            <a:r>
+              <a:rPr lang="fr-CH" dirty="0"/>
+              <a:t>------------------------------------------</a:t>
+            </a:r>
+          </a:p>
+          <a:p>
+            <a:r>
+              <a:rPr lang="fr-CH" dirty="0"/>
+              <a:t>------------------------------------------</a:t>
+            </a:r>
+          </a:p>
+          <a:p>
+            <a:r>
+              <a:rPr lang="fr-CH" dirty="0"/>
+              <a:t>------------------------------------------</a:t>
+            </a:r>
+          </a:p>
+          <a:p>
+            <a:r>
+              <a:rPr lang="fr-CH" dirty="0"/>
+              <a:t>------------------------------------------------------------------------------------</a:t>
+            </a:r>
+          </a:p>
+        </p:txBody>
+      </p:sp>
+      <p:sp>
+        <p:nvSpPr>
+          <p:cNvPr id="16" name="ZoneTexte 15">
+            <a:extLst>
+              <a:ext uri="{FF2B5EF4-FFF2-40B4-BE49-F238E27FC236}">
+                <a16:creationId xmlns:a16="http://schemas.microsoft.com/office/drawing/2014/main" id="{3ACF3D0E-D50F-493A-B2E6-4F42653247D0}"/>
+              </a:ext>
+            </a:extLst>
+          </p:cNvPr>
+          <p:cNvSpPr txBox="1"/>
+          <p:nvPr/>
+        </p:nvSpPr>
+        <p:spPr>
+          <a:xfrm>
+            <a:off x="898774" y="10144757"/>
+            <a:ext cx="7962900" cy="3662541"/>
+          </a:xfrm>
+          <a:prstGeom prst="rect">
+            <a:avLst/>
+          </a:prstGeom>
+          <a:noFill/>
+        </p:spPr>
+        <p:txBody>
+          <a:bodyPr wrap="square" rtlCol="0">
+            <a:spAutoFit/>
+          </a:bodyPr>
+          <a:lstStyle/>
+          <a:p>
+            <a:r>
+              <a:rPr lang="fr-CH" dirty="0"/>
+              <a:t>PIC</a:t>
+            </a:r>
+          </a:p>
+          <a:p>
+            <a:r>
+              <a:rPr lang="fr-CH" dirty="0"/>
+              <a:t>----------------------------------</a:t>
+            </a:r>
+          </a:p>
+          <a:p>
+            <a:r>
+              <a:rPr lang="fr-CH" dirty="0"/>
+              <a:t>----------------------------------</a:t>
+            </a:r>
+          </a:p>
+          <a:p>
+            <a:r>
+              <a:rPr lang="fr-CH" dirty="0"/>
+              <a:t>----------------------------------</a:t>
+            </a:r>
+            <a:endParaRPr lang="en-GB" dirty="0"/>
+          </a:p>
+        </p:txBody>
+      </p:sp>
+      <p:sp>
+        <p:nvSpPr>
+          <p:cNvPr id="17" name="Textfeld 8">
+            <a:extLst>
+              <a:ext uri="{FF2B5EF4-FFF2-40B4-BE49-F238E27FC236}">
+                <a16:creationId xmlns:a16="http://schemas.microsoft.com/office/drawing/2014/main" id="{592625F8-C0BD-4866-8F1E-8FEFFCB3E1A7}"/>
+              </a:ext>
+            </a:extLst>
+          </p:cNvPr>
+          <p:cNvSpPr txBox="1"/>
+          <p:nvPr/>
+        </p:nvSpPr>
+        <p:spPr>
+          <a:xfrm>
+            <a:off x="20356483" y="9717629"/>
+            <a:ext cx="8845847" cy="7171194"/>
+          </a:xfrm>
+          <a:prstGeom prst="rect">
+            <a:avLst/>
+          </a:prstGeom>
+          <a:noFill/>
+        </p:spPr>
+        <p:txBody>
+          <a:bodyPr wrap="square" rtlCol="0">
+            <a:spAutoFit/>
+          </a:bodyPr>
+          <a:lstStyle/>
+          <a:p>
+            <a:pPr algn="just">
+              <a:buClr>
+                <a:srgbClr val="FAA500"/>
+              </a:buClr>
+              <a:buSzPct val="80000"/>
+              <a:defRPr/>
+            </a:pPr>
+            <a:r>
+              <a:rPr lang="en-US" altLang="de-DE" sz="4400" dirty="0">
+                <a:solidFill>
+                  <a:srgbClr val="697D91"/>
+                </a:solidFill>
+                <a:latin typeface="+mj-lt"/>
+              </a:rPr>
+              <a:t>Results</a:t>
+            </a:r>
+            <a:endParaRPr lang="en-US" altLang="de-DE" sz="3200" dirty="0">
+              <a:solidFill>
+                <a:srgbClr val="697D91"/>
+              </a:solidFill>
+              <a:latin typeface="Lucida Sans" pitchFamily="34" charset="0"/>
+            </a:endParaRPr>
+          </a:p>
+          <a:p>
+            <a:pPr algn="just">
+              <a:buClr>
+                <a:srgbClr val="FAA500"/>
+              </a:buClr>
+              <a:buSzPct val="80000"/>
+              <a:defRPr/>
+            </a:pPr>
+            <a:endParaRPr lang="en-US" altLang="de-DE" sz="3200" dirty="0">
+              <a:latin typeface="Lucida Sans" pitchFamily="34" charset="0"/>
+            </a:endParaRPr>
+          </a:p>
+          <a:p>
+            <a:pPr algn="just">
+              <a:buClr>
+                <a:srgbClr val="FAA500"/>
+              </a:buClr>
+              <a:buSzPct val="80000"/>
+              <a:defRPr/>
+            </a:pPr>
+            <a:r>
+              <a:rPr lang="en-US" altLang="de-DE" sz="3200" dirty="0">
+                <a:latin typeface="Lucida Sans" pitchFamily="34" charset="0"/>
+              </a:rPr>
+              <a:t>Good, </a:t>
+            </a:r>
+          </a:p>
+          <a:p>
+            <a:pPr algn="just">
+              <a:buClr>
+                <a:srgbClr val="FAA500"/>
+              </a:buClr>
+              <a:buSzPct val="80000"/>
+              <a:defRPr/>
+            </a:pPr>
+            <a:r>
+              <a:rPr lang="en-US" altLang="de-DE" sz="3200" dirty="0">
+                <a:solidFill>
+                  <a:srgbClr val="FF0000"/>
+                </a:solidFill>
+                <a:latin typeface="Lucida Sans" pitchFamily="34" charset="0"/>
+              </a:rPr>
+              <a:t>MORE TEXT HERE</a:t>
+            </a:r>
+          </a:p>
+          <a:p>
+            <a:pPr algn="just">
+              <a:buClr>
+                <a:srgbClr val="FAA500"/>
+              </a:buClr>
+              <a:buSzPct val="80000"/>
+              <a:defRPr/>
+            </a:pPr>
+            <a:r>
+              <a:rPr lang="en-US" altLang="de-DE" sz="3200" dirty="0">
+                <a:latin typeface="Lucida Sans" pitchFamily="34" charset="0"/>
+              </a:rPr>
+              <a:t>With a tool as powerful as a smartphone we just used the tip of the iceberg in term of possibility to make the controller “Smart”. For example one could develop a Pictionary, or make use of the speakers, camera incorporated in the smartphone.</a:t>
+            </a:r>
+          </a:p>
+          <a:p>
+            <a:pPr algn="just">
+              <a:buClr>
+                <a:srgbClr val="FAA500"/>
+              </a:buClr>
+              <a:buSzPct val="80000"/>
+              <a:defRPr/>
+            </a:pPr>
+            <a:r>
+              <a:rPr lang="en-US" altLang="de-DE" sz="3200" dirty="0">
+                <a:latin typeface="Lucida Sans" pitchFamily="34" charset="0"/>
+              </a:rPr>
+              <a:t>Although the base has been created and can be re-used it still needs some work for someone who would like to add a game he developed to the platform. </a:t>
+            </a:r>
+          </a:p>
+        </p:txBody>
+      </p:sp>
+      <p:sp>
+        <p:nvSpPr>
+          <p:cNvPr id="18" name="ZoneTexte 17">
+            <a:extLst>
+              <a:ext uri="{FF2B5EF4-FFF2-40B4-BE49-F238E27FC236}">
+                <a16:creationId xmlns:a16="http://schemas.microsoft.com/office/drawing/2014/main" id="{7D768E3B-BFF2-4C5C-91A7-73889F89CCB3}"/>
+              </a:ext>
+            </a:extLst>
+          </p:cNvPr>
+          <p:cNvSpPr txBox="1"/>
+          <p:nvPr/>
+        </p:nvSpPr>
+        <p:spPr>
+          <a:xfrm>
+            <a:off x="20435329" y="5973622"/>
+            <a:ext cx="7962900" cy="3662541"/>
+          </a:xfrm>
+          <a:prstGeom prst="rect">
+            <a:avLst/>
+          </a:prstGeom>
+          <a:noFill/>
+        </p:spPr>
+        <p:txBody>
+          <a:bodyPr wrap="square" rtlCol="0">
+            <a:spAutoFit/>
+          </a:bodyPr>
+          <a:lstStyle/>
+          <a:p>
+            <a:r>
+              <a:rPr lang="fr-CH" dirty="0"/>
+              <a:t>PIC</a:t>
+            </a:r>
+          </a:p>
+          <a:p>
+            <a:r>
+              <a:rPr lang="fr-CH" dirty="0"/>
+              <a:t>----------------------------------</a:t>
+            </a:r>
+          </a:p>
+          <a:p>
+            <a:r>
+              <a:rPr lang="fr-CH" dirty="0"/>
+              <a:t>----------------------------------</a:t>
+            </a:r>
+          </a:p>
+          <a:p>
+            <a:r>
+              <a:rPr lang="fr-CH" dirty="0"/>
+              <a:t>----------------------------------</a:t>
+            </a:r>
+            <a:endParaRPr lang="en-GB" dirty="0"/>
           </a:p>
         </p:txBody>
       </p:sp>
@@ -2061,10 +2512,6 @@
 </file>
 
 <file path=customXml/item1.xml><?xml version="1.0" encoding="utf-8"?>
-<LongProperties xmlns="http://schemas.microsoft.com/office/2006/metadata/longProperties"/>
-</file>
-
-<file path=customXml/item2.xml><?xml version="1.0" encoding="utf-8"?>
 <ct:contentTypeSchema xmlns:ct="http://schemas.microsoft.com/office/2006/metadata/contentType" xmlns:ma="http://schemas.microsoft.com/office/2006/metadata/properties/metaAttributes" ct:_="" ma:_="" ma:contentTypeName="BFH Document" ma:contentTypeID="0x0101009127C3B567804923A8661E062BBD8EF500562C9D82744B284A86093F1D9B579BDC" ma:contentTypeVersion="2" ma:contentTypeDescription="Ein neues Dokument erstellen." ma:contentTypeScope="" ma:versionID="9c45b5bf27c78835ceac1d8ed0ad849b">
   <xsd:schema xmlns:xsd="http://www.w3.org/2001/XMLSchema" xmlns:xs="http://www.w3.org/2001/XMLSchema" xmlns:p="http://schemas.microsoft.com/office/2006/metadata/properties" xmlns:ns2="63c724b1-652e-424f-8d99-4ee509067280" xmlns:ns3="2551ef7e-3b29-44d1-a8ad-ef34c26bfc60" targetNamespace="http://schemas.microsoft.com/office/2006/metadata/properties" ma:root="true" ma:fieldsID="77ddedd9f4909d73cfb737d3d691d0f9" ns2:_="" ns3:_="">
     <xsd:import namespace="63c724b1-652e-424f-8d99-4ee509067280"/>
@@ -2209,16 +2656,11 @@
 </ct:contentTypeSchema>
 </file>
 
-<file path=customXml/item3.xml><?xml version="1.0" encoding="utf-8"?>
-<?mso-contentType ?>
-<FormTemplates xmlns="http://schemas.microsoft.com/sharepoint/v3/contenttype/forms">
-  <Display>DocumentLibraryForm</Display>
-  <Edit>DocumentLibraryForm</Edit>
-  <New>DocumentLibraryForm</New>
-</FormTemplates>
+<file path=customXml/item2.xml><?xml version="1.0" encoding="utf-8"?>
+<LongProperties xmlns="http://schemas.microsoft.com/office/2006/metadata/longProperties"/>
 </file>
 
-<file path=customXml/item4.xml><?xml version="1.0" encoding="utf-8"?>
+<file path=customXml/item3.xml><?xml version="1.0" encoding="utf-8"?>
 <p:properties xmlns:p="http://schemas.microsoft.com/office/2006/metadata/properties" xmlns:xsi="http://www.w3.org/2001/XMLSchema-instance" xmlns:pc="http://schemas.microsoft.com/office/infopath/2007/PartnerControls">
   <documentManagement>
     <BfhIntranetDepartmentText xmlns="63c724b1-652e-424f-8d99-4ee509067280">
@@ -2236,15 +2678,16 @@
 </p:properties>
 </file>
 
-<file path=customXml/itemProps1.xml><?xml version="1.0" encoding="utf-8"?>
-<ds:datastoreItem xmlns:ds="http://schemas.openxmlformats.org/officeDocument/2006/customXml" ds:itemID="{34ACECAE-8DDC-4218-ADDE-80828E100BF5}">
-  <ds:schemaRefs>
-    <ds:schemaRef ds:uri="http://schemas.microsoft.com/office/2006/metadata/longProperties"/>
-  </ds:schemaRefs>
-</ds:datastoreItem>
+<file path=customXml/item4.xml><?xml version="1.0" encoding="utf-8"?>
+<?mso-contentType ?>
+<FormTemplates xmlns="http://schemas.microsoft.com/sharepoint/v3/contenttype/forms">
+  <Display>DocumentLibraryForm</Display>
+  <Edit>DocumentLibraryForm</Edit>
+  <New>DocumentLibraryForm</New>
+</FormTemplates>
 </file>
 
-<file path=customXml/itemProps2.xml><?xml version="1.0" encoding="utf-8"?>
+<file path=customXml/itemProps1.xml><?xml version="1.0" encoding="utf-8"?>
 <ds:datastoreItem xmlns:ds="http://schemas.openxmlformats.org/officeDocument/2006/customXml" ds:itemID="{064F56C1-3E03-4158-81FF-45AFD11405FB}">
   <ds:schemaRefs>
     <ds:schemaRef ds:uri="http://schemas.microsoft.com/office/2006/metadata/contentType"/>
@@ -2263,15 +2706,15 @@
 </ds:datastoreItem>
 </file>
 
-<file path=customXml/itemProps3.xml><?xml version="1.0" encoding="utf-8"?>
-<ds:datastoreItem xmlns:ds="http://schemas.openxmlformats.org/officeDocument/2006/customXml" ds:itemID="{47870AFC-B140-4E73-B0E2-054A74E7EB25}">
+<file path=customXml/itemProps2.xml><?xml version="1.0" encoding="utf-8"?>
+<ds:datastoreItem xmlns:ds="http://schemas.openxmlformats.org/officeDocument/2006/customXml" ds:itemID="{34ACECAE-8DDC-4218-ADDE-80828E100BF5}">
   <ds:schemaRefs>
-    <ds:schemaRef ds:uri="http://schemas.microsoft.com/sharepoint/v3/contenttype/forms"/>
+    <ds:schemaRef ds:uri="http://schemas.microsoft.com/office/2006/metadata/longProperties"/>
   </ds:schemaRefs>
 </ds:datastoreItem>
 </file>
 
-<file path=customXml/itemProps4.xml><?xml version="1.0" encoding="utf-8"?>
+<file path=customXml/itemProps3.xml><?xml version="1.0" encoding="utf-8"?>
 <ds:datastoreItem xmlns:ds="http://schemas.openxmlformats.org/officeDocument/2006/customXml" ds:itemID="{12310AE4-98C2-4A3E-BE75-5A8AB8823A32}">
   <ds:schemaRefs>
     <ds:schemaRef ds:uri="http://schemas.microsoft.com/office/infopath/2007/PartnerControls"/>
@@ -2286,4 +2729,12 @@
     <ds:schemaRef ds:uri="http://purl.org/dc/dcmitype/"/>
   </ds:schemaRefs>
 </ds:datastoreItem>
+</file>
+
+<file path=customXml/itemProps4.xml><?xml version="1.0" encoding="utf-8"?>
+<ds:datastoreItem xmlns:ds="http://schemas.openxmlformats.org/officeDocument/2006/customXml" ds:itemID="{47870AFC-B140-4E73-B0E2-054A74E7EB25}">
+  <ds:schemaRefs>
+    <ds:schemaRef ds:uri="http://schemas.microsoft.com/sharepoint/v3/contenttype/forms"/>
+  </ds:schemaRefs>
+</ds:datastoreItem>
 </file>
--- a/Documentation/Poster_flucq1.pptx
+++ b/Documentation/Poster_flucq1.pptx
@@ -971,13 +971,13 @@
           <p:nvPr>
             <p:extLst>
               <p:ext uri="{D42A27DB-BD31-4B8C-83A1-F6EECF244321}">
-                <p14:modId xmlns:p14="http://schemas.microsoft.com/office/powerpoint/2010/main" val="2360032348"/>
+                <p14:modId xmlns:p14="http://schemas.microsoft.com/office/powerpoint/2010/main" val="1823269194"/>
               </p:ext>
             </p:extLst>
           </p:nvPr>
         </p:nvGraphicFramePr>
         <p:xfrm>
-          <a:off x="22453624" y="18414123"/>
+          <a:off x="22758424" y="18414123"/>
           <a:ext cx="7201896" cy="1737360"/>
         </p:xfrm>
         <a:graphic>
@@ -1537,25 +1537,7 @@
                 </a:solidFill>
                 <a:latin typeface="Lucida Sans" pitchFamily="34" charset="0"/>
               </a:rPr>
-              <a:t>Bachelor </a:t>
-            </a:r>
-            <a:r>
-              <a:rPr lang="en-GB" altLang="de-DE" sz="3200">
-                <a:solidFill>
-                  <a:srgbClr val="697D91"/>
-                </a:solidFill>
-                <a:latin typeface="Lucida Sans" pitchFamily="34" charset="0"/>
-              </a:rPr>
-              <a:t>Thesis 2019</a:t>
-            </a:r>
-            <a:r>
-              <a:rPr lang="en-GB" altLang="de-DE" sz="3200" dirty="0">
-                <a:solidFill>
-                  <a:srgbClr val="697D91"/>
-                </a:solidFill>
-                <a:latin typeface="Lucida Sans" pitchFamily="34" charset="0"/>
-              </a:rPr>
-              <a:t>	 Degree Programme  Computer Science</a:t>
+              <a:t>Bachelor Thesis 2019	 Degree Programme  Computer Science</a:t>
             </a:r>
             <a:endParaRPr lang="en-GB" sz="3200" dirty="0">
               <a:solidFill>
@@ -1575,7 +1557,7 @@
         <p:spPr>
           <a:xfrm>
             <a:off x="898775" y="896767"/>
-            <a:ext cx="8845847" cy="9140964"/>
+            <a:ext cx="8845847" cy="9633406"/>
           </a:xfrm>
           <a:prstGeom prst="rect">
             <a:avLst/>
@@ -1635,99 +1617,7 @@
               <a:rPr lang="en-US" altLang="de-DE" sz="3200" dirty="0">
                 <a:latin typeface="Lucida Sans" pitchFamily="34" charset="0"/>
               </a:rPr>
-              <a:t>Playing games is becoming more and more popular and in everyone's day life, be it board games, video games or mobile games. Even though most of the games played on smartphone are multiplayer, they don’t involve the users to physically interact with each others. Instead they tend to isolate the players. On the contrary to split screen games on console, which are increasingly rare, but for which one needs a costly controller. This problem of equipment is located within board game as well. One game uses a set of pieces and an other one uses an other set. It is tedious to stow away a large amount of games in this case.</a:t>
-            </a:r>
-          </a:p>
-        </p:txBody>
-      </p:sp>
-      <p:sp>
-        <p:nvSpPr>
-          <p:cNvPr id="9" name="Textfeld 8"/>
-          <p:cNvSpPr txBox="1"/>
-          <p:nvPr/>
-        </p:nvSpPr>
-        <p:spPr>
-          <a:xfrm>
-            <a:off x="20356484" y="875399"/>
-            <a:ext cx="8845847" cy="5016758"/>
-          </a:xfrm>
-          <a:prstGeom prst="rect">
-            <a:avLst/>
-          </a:prstGeom>
-          <a:noFill/>
-        </p:spPr>
-        <p:txBody>
-          <a:bodyPr wrap="square" rtlCol="0">
-            <a:spAutoFit/>
-          </a:bodyPr>
-          <a:lstStyle/>
-          <a:p>
-            <a:pPr algn="just">
-              <a:buClr>
-                <a:srgbClr val="FAA500"/>
-              </a:buClr>
-              <a:buSzPct val="80000"/>
-              <a:defRPr/>
-            </a:pPr>
-            <a:endParaRPr lang="en-GB" altLang="de-DE" sz="3200" dirty="0">
-              <a:solidFill>
-                <a:srgbClr val="697D91"/>
-              </a:solidFill>
-              <a:latin typeface="Lucida Sans" pitchFamily="34" charset="0"/>
-            </a:endParaRPr>
-          </a:p>
-          <a:p>
-            <a:pPr algn="just">
-              <a:buClr>
-                <a:srgbClr val="FAA500"/>
-              </a:buClr>
-              <a:buSzPct val="80000"/>
-              <a:defRPr/>
-            </a:pPr>
-            <a:endParaRPr lang="en-GB" altLang="de-DE" sz="3200" dirty="0">
-              <a:latin typeface="Lucida Sans" pitchFamily="34" charset="0"/>
-            </a:endParaRPr>
-          </a:p>
-          <a:p>
-            <a:pPr algn="just">
-              <a:buClr>
-                <a:srgbClr val="FAA500"/>
-              </a:buClr>
-              <a:buSzPct val="80000"/>
-              <a:defRPr/>
-            </a:pPr>
-            <a:r>
-              <a:rPr lang="en-GB" altLang="de-DE" sz="3200" dirty="0">
-                <a:latin typeface="Lucida Sans" pitchFamily="34" charset="0"/>
-              </a:rPr>
-              <a:t>The second one is a domino game, playable with two players. Here the controller is at the centre of the game as a domino game is a sort of card game where each player hide their hands to the other. This allowed us to start working toward a “Smart” controller. </a:t>
-            </a:r>
-          </a:p>
-          <a:p>
-            <a:pPr algn="just">
-              <a:buClr>
-                <a:srgbClr val="FAA500"/>
-              </a:buClr>
-              <a:buSzPct val="80000"/>
-              <a:defRPr/>
-            </a:pPr>
-            <a:r>
-              <a:rPr lang="fr-CH" altLang="de-DE" sz="3200" dirty="0">
-                <a:solidFill>
-                  <a:srgbClr val="FF0000"/>
-                </a:solidFill>
-                <a:latin typeface="Lucida Sans" pitchFamily="34" charset="0"/>
-              </a:rPr>
-              <a:t>M</a:t>
-            </a:r>
-            <a:r>
-              <a:rPr lang="en-GB" altLang="de-DE" sz="3200" dirty="0">
-                <a:solidFill>
-                  <a:srgbClr val="FF0000"/>
-                </a:solidFill>
-                <a:latin typeface="Lucida Sans" pitchFamily="34" charset="0"/>
-              </a:rPr>
-              <a:t>ORE TEXT HERE</a:t>
+              <a:t>Playing games is becoming more and more popular and in everyone's daily life, be it board games, video games or mobile games. Even though most of the games played on smartphones are multiplayer, they don’t involve the users to physically interact with each other. Instead, they tend to isolate the players. On the contrary to split screen games on console, which are increasingly rare, but for which one needs a costly controller. This problem of equipment is located within boardgames as well. One game uses a set of pieces and another one uses another set. It is tedious to stow away a large number of games in this case. Thus came our idea of mixing the advantages.</a:t>
             </a:r>
           </a:p>
         </p:txBody>
@@ -1740,8 +1630,8 @@
         </p:nvSpPr>
         <p:spPr>
           <a:xfrm>
-            <a:off x="10667052" y="893032"/>
-            <a:ext cx="8845847" cy="9633406"/>
+            <a:off x="10405717" y="4347773"/>
+            <a:ext cx="8845847" cy="12588061"/>
           </a:xfrm>
           <a:prstGeom prst="rect">
             <a:avLst/>
@@ -1801,7 +1691,7 @@
               <a:rPr lang="en-US" altLang="de-DE" sz="3200" dirty="0">
                 <a:latin typeface="Lucida Sans" pitchFamily="34" charset="0"/>
               </a:rPr>
-              <a:t>As almost everyone owns a smartphone, we decided to use it as our controller.</a:t>
+              <a:t>As smartphones are very common, powerful, small and lightweight they were the best tool to fulfill our problematic.</a:t>
             </a:r>
           </a:p>
           <a:p>
@@ -1816,34 +1706,7 @@
               <a:rPr lang="en-US" altLang="de-DE" sz="3200" dirty="0">
                 <a:latin typeface="Lucida Sans" pitchFamily="34" charset="0"/>
               </a:rPr>
-              <a:t>We chose to use smartphones as controller  </a:t>
-            </a:r>
-          </a:p>
-          <a:p>
-            <a:pPr algn="just">
-              <a:buClr>
-                <a:srgbClr val="FAA500"/>
-              </a:buClr>
-              <a:buSzPct val="80000"/>
-              <a:defRPr/>
-            </a:pPr>
-            <a:endParaRPr lang="en-US" altLang="de-DE" sz="3200" dirty="0">
-              <a:latin typeface="Lucida Sans" pitchFamily="34" charset="0"/>
-            </a:endParaRPr>
-          </a:p>
-          <a:p>
-            <a:pPr algn="just">
-              <a:buClr>
-                <a:srgbClr val="FAA500"/>
-              </a:buClr>
-              <a:buSzPct val="80000"/>
-              <a:defRPr/>
-            </a:pPr>
-            <a:r>
-              <a:rPr lang="en-US" altLang="de-DE" sz="3200" dirty="0">
-                <a:latin typeface="Lucida Sans" pitchFamily="34" charset="0"/>
-              </a:rPr>
-              <a:t>We chose to implement two games to demonstrate the base possibilities a platform such as this one would be capable off.</a:t>
+              <a:t>We chose to implement two games to demonstrate the base possibilities a platform such as this one would be capable of.</a:t>
             </a:r>
           </a:p>
           <a:p>
@@ -1858,7 +1721,34 @@
               <a:rPr lang="en-US" altLang="de-DE" sz="3200" dirty="0">
                 <a:latin typeface="Lucida Sans" pitchFamily="34" charset="0"/>
               </a:rPr>
-              <a:t>The first game is a multiplayer snake, playable from one to four player where the controller is very basic with four buttons to control our snake. We decided to develop such a game to show that the smartphone is used but as a mere tool, one which the players don’t need to look at when they play and so the possibility to interact with the other increase.</a:t>
+              <a:t>The first game is a multiplayer snake, playable from one to four players where the controller is very basic with four buttons to control our snake. We decided to develop such a game to show that the smartphone is used but as a mere tool, one which the players don’t need to look at when they play and so the possibility to interact with the other increase.</a:t>
+            </a:r>
+          </a:p>
+          <a:p>
+            <a:pPr algn="just">
+              <a:buClr>
+                <a:srgbClr val="FAA500"/>
+              </a:buClr>
+              <a:buSzPct val="80000"/>
+              <a:defRPr/>
+            </a:pPr>
+            <a:r>
+              <a:rPr lang="en-GB" altLang="de-DE" sz="3200" dirty="0">
+                <a:latin typeface="Lucida Sans" pitchFamily="34" charset="0"/>
+              </a:rPr>
+              <a:t>The second one is a domino game, playable with two players. Here the controller is at the </a:t>
+            </a:r>
+            <a:r>
+              <a:rPr lang="en-GB" altLang="de-DE" sz="3200" dirty="0" err="1">
+                <a:latin typeface="Lucida Sans" pitchFamily="34" charset="0"/>
+              </a:rPr>
+              <a:t>center</a:t>
+            </a:r>
+            <a:r>
+              <a:rPr lang="en-GB" altLang="de-DE" sz="3200" dirty="0">
+                <a:latin typeface="Lucida Sans" pitchFamily="34" charset="0"/>
+              </a:rPr>
+              <a:t> of the game as a domino game is a sort of card game where each player hides their hands to the other. This allowed us to start working toward a “Smart” controller. </a:t>
             </a:r>
           </a:p>
         </p:txBody>
@@ -1877,7 +1767,7 @@
         </p:nvSpPr>
         <p:spPr>
           <a:xfrm>
-            <a:off x="898774" y="13916974"/>
+            <a:off x="10416732" y="896767"/>
             <a:ext cx="8845847" cy="3231654"/>
           </a:xfrm>
           <a:prstGeom prst="rect">
@@ -1938,121 +1828,8 @@
               <a:rPr lang="en-GB" altLang="de-DE" sz="3200" dirty="0">
                 <a:latin typeface="Lucida Sans" pitchFamily="34" charset="0"/>
               </a:rPr>
-              <a:t>The goal of this bachelor thesis was to develop a generic platform which uses a computer as the server that plays games and use smartphone(s) as game controller. </a:t>
+              <a:t>The goal of this bachelor thesis was to develop a generic platform that uses a computer as the server that plays games and use smartphone(s) as game controller. </a:t>
             </a:r>
-          </a:p>
-        </p:txBody>
-      </p:sp>
-      <p:sp>
-        <p:nvSpPr>
-          <p:cNvPr id="15" name="ZoneTexte 14">
-            <a:extLst>
-              <a:ext uri="{FF2B5EF4-FFF2-40B4-BE49-F238E27FC236}">
-                <a16:creationId xmlns:a16="http://schemas.microsoft.com/office/drawing/2014/main" id="{CAADC864-C58F-4107-ACC8-D9366CC6C9E7}"/>
-              </a:ext>
-            </a:extLst>
-          </p:cNvPr>
-          <p:cNvSpPr txBox="1"/>
-          <p:nvPr/>
-        </p:nvSpPr>
-        <p:spPr>
-          <a:xfrm>
-            <a:off x="10667052" y="11441178"/>
-            <a:ext cx="9689431" cy="5447645"/>
-          </a:xfrm>
-          <a:prstGeom prst="rect">
-            <a:avLst/>
-          </a:prstGeom>
-          <a:noFill/>
-        </p:spPr>
-        <p:txBody>
-          <a:bodyPr wrap="square" rtlCol="0">
-            <a:spAutoFit/>
-          </a:bodyPr>
-          <a:lstStyle/>
-          <a:p>
-            <a:r>
-              <a:rPr lang="fr-CH" dirty="0"/>
-              <a:t>PLACEHOLDER FOR PICTS</a:t>
-            </a:r>
-          </a:p>
-          <a:p>
-            <a:r>
-              <a:rPr lang="fr-CH" dirty="0"/>
-              <a:t>------------------------------------------</a:t>
-            </a:r>
-          </a:p>
-          <a:p>
-            <a:r>
-              <a:rPr lang="fr-CH" dirty="0"/>
-              <a:t>------------------------------------------</a:t>
-            </a:r>
-          </a:p>
-          <a:p>
-            <a:r>
-              <a:rPr lang="fr-CH" dirty="0"/>
-              <a:t>------------------------------------------</a:t>
-            </a:r>
-          </a:p>
-          <a:p>
-            <a:r>
-              <a:rPr lang="fr-CH" dirty="0"/>
-              <a:t>------------------------------------------------------------------------------------</a:t>
-            </a:r>
-          </a:p>
-        </p:txBody>
-      </p:sp>
-      <p:sp>
-        <p:nvSpPr>
-          <p:cNvPr id="16" name="ZoneTexte 15">
-            <a:extLst>
-              <a:ext uri="{FF2B5EF4-FFF2-40B4-BE49-F238E27FC236}">
-                <a16:creationId xmlns:a16="http://schemas.microsoft.com/office/drawing/2014/main" id="{3ACF3D0E-D50F-493A-B2E6-4F42653247D0}"/>
-              </a:ext>
-            </a:extLst>
-          </p:cNvPr>
-          <p:cNvSpPr txBox="1"/>
-          <p:nvPr/>
-        </p:nvSpPr>
-        <p:spPr>
-          <a:xfrm>
-            <a:off x="898774" y="10144757"/>
-            <a:ext cx="7962900" cy="3662541"/>
-          </a:xfrm>
-          <a:prstGeom prst="rect">
-            <a:avLst/>
-          </a:prstGeom>
-          <a:noFill/>
-        </p:spPr>
-        <p:txBody>
-          <a:bodyPr wrap="square" rtlCol="0">
-            <a:spAutoFit/>
-          </a:bodyPr>
-          <a:lstStyle/>
-          <a:p>
-            <a:r>
-              <a:rPr lang="fr-CH" dirty="0"/>
-              <a:t>PIC</a:t>
-            </a:r>
-          </a:p>
-          <a:p>
-            <a:r>
-              <a:rPr lang="fr-CH" dirty="0"/>
-              <a:t>----------------------------------</a:t>
-            </a:r>
-          </a:p>
-          <a:p>
-            <a:r>
-              <a:rPr lang="fr-CH" dirty="0"/>
-              <a:t>----------------------------------</a:t>
-            </a:r>
-          </a:p>
-          <a:p>
-            <a:r>
-              <a:rPr lang="fr-CH" dirty="0"/>
-              <a:t>----------------------------------</a:t>
-            </a:r>
-            <a:endParaRPr lang="en-GB" dirty="0"/>
           </a:p>
         </p:txBody>
       </p:sp>
@@ -2116,6 +1893,9 @@
               <a:defRPr/>
             </a:pPr>
             <a:endParaRPr lang="en-US" altLang="de-DE" sz="3200" dirty="0">
+              <a:solidFill>
+                <a:srgbClr val="FF0000"/>
+              </a:solidFill>
               <a:latin typeface="Lucida Sans" pitchFamily="34" charset="0"/>
             </a:endParaRPr>
           </a:p>
@@ -2131,25 +1911,7 @@
               <a:rPr lang="en-US" altLang="de-DE" sz="3200" dirty="0">
                 <a:latin typeface="Lucida Sans" pitchFamily="34" charset="0"/>
               </a:rPr>
-              <a:t>Good, </a:t>
-            </a:r>
-          </a:p>
-          <a:p>
-            <a:pPr algn="just">
-              <a:buClr>
-                <a:srgbClr val="FAA500"/>
-              </a:buClr>
-              <a:buSzPct val="80000"/>
-              <a:defRPr/>
-            </a:pPr>
-            <a:r>
-              <a:rPr lang="en-US" altLang="de-DE" sz="3200" dirty="0">
-                <a:solidFill>
-                  <a:srgbClr val="FF0000"/>
-                </a:solidFill>
-                <a:latin typeface="Lucida Sans" pitchFamily="34" charset="0"/>
-              </a:rPr>
-              <a:t>MORE TEXT HERE</a:t>
+              <a:t>The two games we developed allowed us to grasp more the problems coming with such a platform but as well the benefits of it.</a:t>
             </a:r>
           </a:p>
           <a:p>
@@ -2164,7 +1926,7 @@
               <a:rPr lang="en-US" altLang="de-DE" sz="3200" dirty="0">
                 <a:latin typeface="Lucida Sans" pitchFamily="34" charset="0"/>
               </a:rPr>
-              <a:t>With a tool as powerful as a smartphone we just used the tip of the iceberg in term of possibility to make the controller “Smart”. For example one could develop a Pictionary, or make use of the speakers, camera incorporated in the smartphone.</a:t>
+              <a:t>With a tool as powerful as a smartphone we just used the tip of the iceberg in terms of possibility to make the controller “Smart”. For example, one could develop a Pictionary, or make use of the speakers, camera incorporated in the smartphone.</a:t>
             </a:r>
           </a:p>
           <a:p>
@@ -2179,17 +1941,77 @@
               <a:rPr lang="en-US" altLang="de-DE" sz="3200" dirty="0">
                 <a:latin typeface="Lucida Sans" pitchFamily="34" charset="0"/>
               </a:rPr>
-              <a:t>Although the base has been created and can be re-used it still needs some work for someone who would like to add a game he developed to the platform. </a:t>
+              <a:t>Although the base has been created and can be re-used it still needs some work to make it fully generic.</a:t>
             </a:r>
           </a:p>
         </p:txBody>
       </p:sp>
+      <p:pic>
+        <p:nvPicPr>
+          <p:cNvPr id="5" name="Image 4">
+            <a:extLst>
+              <a:ext uri="{FF2B5EF4-FFF2-40B4-BE49-F238E27FC236}">
+                <a16:creationId xmlns:a16="http://schemas.microsoft.com/office/drawing/2014/main" id="{DE03A91E-48ED-4F79-B968-4551E982A01F}"/>
+              </a:ext>
+            </a:extLst>
+          </p:cNvPr>
+          <p:cNvPicPr>
+            <a:picLocks noChangeAspect="1"/>
+          </p:cNvPicPr>
+          <p:nvPr/>
+        </p:nvPicPr>
+        <p:blipFill>
+          <a:blip r:embed="rId2"/>
+          <a:stretch>
+            <a:fillRect/>
+          </a:stretch>
+        </p:blipFill>
+        <p:spPr>
+          <a:xfrm>
+            <a:off x="898774" y="11583155"/>
+            <a:ext cx="8666977" cy="5777985"/>
+          </a:xfrm>
+          <a:prstGeom prst="rect">
+            <a:avLst/>
+          </a:prstGeom>
+        </p:spPr>
+      </p:pic>
+      <p:pic>
+        <p:nvPicPr>
+          <p:cNvPr id="14" name="Image 13">
+            <a:extLst>
+              <a:ext uri="{FF2B5EF4-FFF2-40B4-BE49-F238E27FC236}">
+                <a16:creationId xmlns:a16="http://schemas.microsoft.com/office/drawing/2014/main" id="{60C5432F-072D-43E4-8ACD-1481B88194CF}"/>
+              </a:ext>
+            </a:extLst>
+          </p:cNvPr>
+          <p:cNvPicPr>
+            <a:picLocks noChangeAspect="1"/>
+          </p:cNvPicPr>
+          <p:nvPr/>
+        </p:nvPicPr>
+        <p:blipFill>
+          <a:blip r:embed="rId3"/>
+          <a:stretch>
+            <a:fillRect/>
+          </a:stretch>
+        </p:blipFill>
+        <p:spPr>
+          <a:xfrm>
+            <a:off x="21821893" y="896767"/>
+            <a:ext cx="5915025" cy="8077200"/>
+          </a:xfrm>
+          <a:prstGeom prst="rect">
+            <a:avLst/>
+          </a:prstGeom>
+        </p:spPr>
+      </p:pic>
       <p:sp>
         <p:nvSpPr>
-          <p:cNvPr id="18" name="ZoneTexte 17">
+          <p:cNvPr id="20" name="ZoneTexte 19">
             <a:extLst>
               <a:ext uri="{FF2B5EF4-FFF2-40B4-BE49-F238E27FC236}">
-                <a16:creationId xmlns:a16="http://schemas.microsoft.com/office/drawing/2014/main" id="{7D768E3B-BFF2-4C5C-91A7-73889F89CCB3}"/>
+                <a16:creationId xmlns:a16="http://schemas.microsoft.com/office/drawing/2014/main" id="{C3786A3D-A301-4AC7-9B7A-D34C3564D58F}"/>
               </a:ext>
             </a:extLst>
           </p:cNvPr>
@@ -2198,8 +2020,8 @@
         </p:nvSpPr>
         <p:spPr>
           <a:xfrm>
-            <a:off x="20435329" y="5973622"/>
-            <a:ext cx="7962900" cy="3662541"/>
+            <a:off x="1066800" y="10843173"/>
+            <a:ext cx="8498951" cy="707886"/>
           </a:xfrm>
           <a:prstGeom prst="rect">
             <a:avLst/>
@@ -2213,28 +2035,11 @@
           <a:lstStyle/>
           <a:p>
             <a:r>
-              <a:rPr lang="fr-CH" dirty="0"/>
-              <a:t>PIC</a:t>
+              <a:rPr lang="en-US" sz="2000">
+                <a:latin typeface="+mn-lt"/>
+              </a:rPr>
+              <a:t>Representation of people playing on their smartphone alone and then together</a:t>
             </a:r>
-          </a:p>
-          <a:p>
-            <a:r>
-              <a:rPr lang="fr-CH" dirty="0"/>
-              <a:t>----------------------------------</a:t>
-            </a:r>
-          </a:p>
-          <a:p>
-            <a:r>
-              <a:rPr lang="fr-CH" dirty="0"/>
-              <a:t>----------------------------------</a:t>
-            </a:r>
-          </a:p>
-          <a:p>
-            <a:r>
-              <a:rPr lang="fr-CH" dirty="0"/>
-              <a:t>----------------------------------</a:t>
-            </a:r>
-            <a:endParaRPr lang="en-GB" dirty="0"/>
           </a:p>
         </p:txBody>
       </p:sp>
@@ -2512,6 +2317,28 @@
 </file>
 
 <file path=customXml/item1.xml><?xml version="1.0" encoding="utf-8"?>
+<p:properties xmlns:p="http://schemas.microsoft.com/office/2006/metadata/properties" xmlns:xsi="http://www.w3.org/2001/XMLSchema-instance" xmlns:pc="http://schemas.microsoft.com/office/infopath/2007/PartnerControls">
+  <documentManagement>
+    <BfhIntranetDepartmentText xmlns="63c724b1-652e-424f-8d99-4ee509067280">
+      <Terms xmlns="http://schemas.microsoft.com/office/infopath/2007/PartnerControls">
+        <TermInfo xmlns="http://schemas.microsoft.com/office/infopath/2007/PartnerControls">
+          <TermName xmlns="http://schemas.microsoft.com/office/infopath/2007/PartnerControls">Vorlage</TermName>
+          <TermId xmlns="http://schemas.microsoft.com/office/infopath/2007/PartnerControls">de1a6d3c-ac6a-4b34-8edd-308eb81066db</TermId>
+        </TermInfo>
+      </Terms>
+    </BfhIntranetDepartmentText>
+    <TaxCatchAll xmlns="2551ef7e-3b29-44d1-a8ad-ef34c26bfc60">
+      <Value>241</Value>
+    </TaxCatchAll>
+  </documentManagement>
+</p:properties>
+</file>
+
+<file path=customXml/item2.xml><?xml version="1.0" encoding="utf-8"?>
+<LongProperties xmlns="http://schemas.microsoft.com/office/2006/metadata/longProperties"/>
+</file>
+
+<file path=customXml/item3.xml><?xml version="1.0" encoding="utf-8"?>
 <ct:contentTypeSchema xmlns:ct="http://schemas.microsoft.com/office/2006/metadata/contentType" xmlns:ma="http://schemas.microsoft.com/office/2006/metadata/properties/metaAttributes" ct:_="" ma:_="" ma:contentTypeName="BFH Document" ma:contentTypeID="0x0101009127C3B567804923A8661E062BBD8EF500562C9D82744B284A86093F1D9B579BDC" ma:contentTypeVersion="2" ma:contentTypeDescription="Ein neues Dokument erstellen." ma:contentTypeScope="" ma:versionID="9c45b5bf27c78835ceac1d8ed0ad849b">
   <xsd:schema xmlns:xsd="http://www.w3.org/2001/XMLSchema" xmlns:xs="http://www.w3.org/2001/XMLSchema" xmlns:p="http://schemas.microsoft.com/office/2006/metadata/properties" xmlns:ns2="63c724b1-652e-424f-8d99-4ee509067280" xmlns:ns3="2551ef7e-3b29-44d1-a8ad-ef34c26bfc60" targetNamespace="http://schemas.microsoft.com/office/2006/metadata/properties" ma:root="true" ma:fieldsID="77ddedd9f4909d73cfb737d3d691d0f9" ns2:_="" ns3:_="">
     <xsd:import namespace="63c724b1-652e-424f-8d99-4ee509067280"/>
@@ -2656,28 +2483,6 @@
 </ct:contentTypeSchema>
 </file>
 
-<file path=customXml/item2.xml><?xml version="1.0" encoding="utf-8"?>
-<LongProperties xmlns="http://schemas.microsoft.com/office/2006/metadata/longProperties"/>
-</file>
-
-<file path=customXml/item3.xml><?xml version="1.0" encoding="utf-8"?>
-<p:properties xmlns:p="http://schemas.microsoft.com/office/2006/metadata/properties" xmlns:xsi="http://www.w3.org/2001/XMLSchema-instance" xmlns:pc="http://schemas.microsoft.com/office/infopath/2007/PartnerControls">
-  <documentManagement>
-    <BfhIntranetDepartmentText xmlns="63c724b1-652e-424f-8d99-4ee509067280">
-      <Terms xmlns="http://schemas.microsoft.com/office/infopath/2007/PartnerControls">
-        <TermInfo xmlns="http://schemas.microsoft.com/office/infopath/2007/PartnerControls">
-          <TermName xmlns="http://schemas.microsoft.com/office/infopath/2007/PartnerControls">Vorlage</TermName>
-          <TermId xmlns="http://schemas.microsoft.com/office/infopath/2007/PartnerControls">de1a6d3c-ac6a-4b34-8edd-308eb81066db</TermId>
-        </TermInfo>
-      </Terms>
-    </BfhIntranetDepartmentText>
-    <TaxCatchAll xmlns="2551ef7e-3b29-44d1-a8ad-ef34c26bfc60">
-      <Value>241</Value>
-    </TaxCatchAll>
-  </documentManagement>
-</p:properties>
-</file>
-
 <file path=customXml/item4.xml><?xml version="1.0" encoding="utf-8"?>
 <?mso-contentType ?>
 <FormTemplates xmlns="http://schemas.microsoft.com/sharepoint/v3/contenttype/forms">
@@ -2688,6 +2493,31 @@
 </file>
 
 <file path=customXml/itemProps1.xml><?xml version="1.0" encoding="utf-8"?>
+<ds:datastoreItem xmlns:ds="http://schemas.openxmlformats.org/officeDocument/2006/customXml" ds:itemID="{12310AE4-98C2-4A3E-BE75-5A8AB8823A32}">
+  <ds:schemaRefs>
+    <ds:schemaRef ds:uri="http://schemas.microsoft.com/office/infopath/2007/PartnerControls"/>
+    <ds:schemaRef ds:uri="http://purl.org/dc/elements/1.1/"/>
+    <ds:schemaRef ds:uri="http://schemas.microsoft.com/office/2006/metadata/properties"/>
+    <ds:schemaRef ds:uri="http://purl.org/dc/terms/"/>
+    <ds:schemaRef ds:uri="63c724b1-652e-424f-8d99-4ee509067280"/>
+    <ds:schemaRef ds:uri="http://schemas.openxmlformats.org/package/2006/metadata/core-properties"/>
+    <ds:schemaRef ds:uri="http://schemas.microsoft.com/office/2006/documentManagement/types"/>
+    <ds:schemaRef ds:uri="2551ef7e-3b29-44d1-a8ad-ef34c26bfc60"/>
+    <ds:schemaRef ds:uri="http://www.w3.org/XML/1998/namespace"/>
+    <ds:schemaRef ds:uri="http://purl.org/dc/dcmitype/"/>
+  </ds:schemaRefs>
+</ds:datastoreItem>
+</file>
+
+<file path=customXml/itemProps2.xml><?xml version="1.0" encoding="utf-8"?>
+<ds:datastoreItem xmlns:ds="http://schemas.openxmlformats.org/officeDocument/2006/customXml" ds:itemID="{34ACECAE-8DDC-4218-ADDE-80828E100BF5}">
+  <ds:schemaRefs>
+    <ds:schemaRef ds:uri="http://schemas.microsoft.com/office/2006/metadata/longProperties"/>
+  </ds:schemaRefs>
+</ds:datastoreItem>
+</file>
+
+<file path=customXml/itemProps3.xml><?xml version="1.0" encoding="utf-8"?>
 <ds:datastoreItem xmlns:ds="http://schemas.openxmlformats.org/officeDocument/2006/customXml" ds:itemID="{064F56C1-3E03-4158-81FF-45AFD11405FB}">
   <ds:schemaRefs>
     <ds:schemaRef ds:uri="http://schemas.microsoft.com/office/2006/metadata/contentType"/>
@@ -2706,31 +2536,6 @@
 </ds:datastoreItem>
 </file>
 
-<file path=customXml/itemProps2.xml><?xml version="1.0" encoding="utf-8"?>
-<ds:datastoreItem xmlns:ds="http://schemas.openxmlformats.org/officeDocument/2006/customXml" ds:itemID="{34ACECAE-8DDC-4218-ADDE-80828E100BF5}">
-  <ds:schemaRefs>
-    <ds:schemaRef ds:uri="http://schemas.microsoft.com/office/2006/metadata/longProperties"/>
-  </ds:schemaRefs>
-</ds:datastoreItem>
-</file>
-
-<file path=customXml/itemProps3.xml><?xml version="1.0" encoding="utf-8"?>
-<ds:datastoreItem xmlns:ds="http://schemas.openxmlformats.org/officeDocument/2006/customXml" ds:itemID="{12310AE4-98C2-4A3E-BE75-5A8AB8823A32}">
-  <ds:schemaRefs>
-    <ds:schemaRef ds:uri="http://schemas.microsoft.com/office/infopath/2007/PartnerControls"/>
-    <ds:schemaRef ds:uri="http://purl.org/dc/elements/1.1/"/>
-    <ds:schemaRef ds:uri="http://schemas.microsoft.com/office/2006/metadata/properties"/>
-    <ds:schemaRef ds:uri="http://purl.org/dc/terms/"/>
-    <ds:schemaRef ds:uri="63c724b1-652e-424f-8d99-4ee509067280"/>
-    <ds:schemaRef ds:uri="http://schemas.openxmlformats.org/package/2006/metadata/core-properties"/>
-    <ds:schemaRef ds:uri="http://schemas.microsoft.com/office/2006/documentManagement/types"/>
-    <ds:schemaRef ds:uri="2551ef7e-3b29-44d1-a8ad-ef34c26bfc60"/>
-    <ds:schemaRef ds:uri="http://www.w3.org/XML/1998/namespace"/>
-    <ds:schemaRef ds:uri="http://purl.org/dc/dcmitype/"/>
-  </ds:schemaRefs>
-</ds:datastoreItem>
-</file>
-
 <file path=customXml/itemProps4.xml><?xml version="1.0" encoding="utf-8"?>
 <ds:datastoreItem xmlns:ds="http://schemas.openxmlformats.org/officeDocument/2006/customXml" ds:itemID="{47870AFC-B140-4E73-B0E2-054A74E7EB25}">
   <ds:schemaRefs>

--- a/Documentation/Poster_flucq1.pptx
+++ b/Documentation/Poster_flucq1.pptx
@@ -930,575 +930,6 @@
           <a:chExt cx="0" cy="0"/>
         </a:xfrm>
       </p:grpSpPr>
-      <p:sp>
-        <p:nvSpPr>
-          <p:cNvPr id="2" name="Textfeld 1" descr="Bitte möglichst die vorgegebene Breite einhalten! Sollte dieser Platz nicht reichen, kann im oberen Teil ein zusätzlicher längerer Titel verwendet werden." title="Titelfeld"/>
-          <p:cNvSpPr txBox="1"/>
-          <p:nvPr/>
-        </p:nvSpPr>
-        <p:spPr>
-          <a:xfrm>
-            <a:off x="6969455" y="18414123"/>
-            <a:ext cx="15122378" cy="1323439"/>
-          </a:xfrm>
-          <a:prstGeom prst="rect">
-            <a:avLst/>
-          </a:prstGeom>
-          <a:noFill/>
-        </p:spPr>
-        <p:txBody>
-          <a:bodyPr wrap="none" lIns="72000" tIns="72000" rIns="72000" bIns="72000" rtlCol="0">
-            <a:normAutofit/>
-          </a:bodyPr>
-          <a:lstStyle/>
-          <a:p>
-            <a:pPr algn="ctr"/>
-            <a:r>
-              <a:rPr lang="en-GB" sz="7400" dirty="0">
-                <a:latin typeface="+mj-lt"/>
-              </a:rPr>
-              <a:t>Generic smartphone game controller</a:t>
-            </a:r>
-          </a:p>
-        </p:txBody>
-      </p:sp>
-      <p:graphicFrame>
-        <p:nvGraphicFramePr>
-          <p:cNvPr id="7" name="Tabelle 6"/>
-          <p:cNvGraphicFramePr>
-            <a:graphicFrameLocks noGrp="1"/>
-          </p:cNvGraphicFramePr>
-          <p:nvPr>
-            <p:extLst>
-              <p:ext uri="{D42A27DB-BD31-4B8C-83A1-F6EECF244321}">
-                <p14:modId xmlns:p14="http://schemas.microsoft.com/office/powerpoint/2010/main" val="1823269194"/>
-              </p:ext>
-            </p:extLst>
-          </p:nvPr>
-        </p:nvGraphicFramePr>
-        <p:xfrm>
-          <a:off x="22758424" y="18414123"/>
-          <a:ext cx="7201896" cy="1737360"/>
-        </p:xfrm>
-        <a:graphic>
-          <a:graphicData uri="http://schemas.openxmlformats.org/drawingml/2006/table">
-            <a:tbl>
-              <a:tblPr firstRow="1" bandRow="1">
-                <a:tableStyleId>{5940675A-B579-460E-94D1-54222C63F5DA}</a:tableStyleId>
-              </a:tblPr>
-              <a:tblGrid>
-                <a:gridCol w="2487424">
-                  <a:extLst>
-                    <a:ext uri="{9D8B030D-6E8A-4147-A177-3AD203B41FA5}">
-                      <a16:colId xmlns:a16="http://schemas.microsoft.com/office/drawing/2014/main" val="20000"/>
-                    </a:ext>
-                  </a:extLst>
-                </a:gridCol>
-                <a:gridCol w="4714472">
-                  <a:extLst>
-                    <a:ext uri="{9D8B030D-6E8A-4147-A177-3AD203B41FA5}">
-                      <a16:colId xmlns:a16="http://schemas.microsoft.com/office/drawing/2014/main" val="20001"/>
-                    </a:ext>
-                  </a:extLst>
-                </a:gridCol>
-              </a:tblGrid>
-              <a:tr h="370840">
-                <a:tc>
-                  <a:txBody>
-                    <a:bodyPr/>
-                    <a:lstStyle/>
-                    <a:p>
-                      <a:pPr marL="0" marR="0" lvl="0" indent="0" algn="r" defTabSz="1474788" rtl="0" eaLnBrk="1" fontAlgn="base" latinLnBrk="0" hangingPunct="1">
-                        <a:lnSpc>
-                          <a:spcPct val="100000"/>
-                        </a:lnSpc>
-                        <a:spcBef>
-                          <a:spcPct val="0"/>
-                        </a:spcBef>
-                        <a:spcAft>
-                          <a:spcPct val="0"/>
-                        </a:spcAft>
-                        <a:buClr>
-                          <a:srgbClr val="FAA500"/>
-                        </a:buClr>
-                        <a:buSzPct val="80000"/>
-                        <a:buFontTx/>
-                        <a:buNone/>
-                        <a:tabLst/>
-                        <a:defRPr/>
-                      </a:pPr>
-                      <a:r>
-                        <a:rPr kumimoji="0" lang="de-DE" altLang="de-DE" sz="2400" b="0" i="0" u="none" strike="noStrike" kern="1200" cap="none" spc="0" normalizeH="0" baseline="0" noProof="0" dirty="0">
-                          <a:ln>
-                            <a:noFill/>
-                          </a:ln>
-                          <a:solidFill>
-                            <a:srgbClr val="697D91"/>
-                          </a:solidFill>
-                          <a:effectLst/>
-                          <a:uLnTx/>
-                          <a:uFillTx/>
-                          <a:latin typeface="Lucida Sans" pitchFamily="34" charset="0"/>
-                          <a:ea typeface="MS PGothic" pitchFamily="34" charset="-128"/>
-                          <a:cs typeface="+mn-cs"/>
-                        </a:rPr>
-                        <a:t>Graduate(s):</a:t>
-                      </a:r>
-                      <a:endParaRPr kumimoji="0" lang="fr-CH" sz="5400" b="0" i="0" u="none" strike="noStrike" kern="1200" cap="none" spc="0" normalizeH="0" baseline="0" noProof="0" dirty="0">
-                        <a:ln>
-                          <a:noFill/>
-                        </a:ln>
-                        <a:solidFill>
-                          <a:prstClr val="black"/>
-                        </a:solidFill>
-                        <a:effectLst/>
-                        <a:uLnTx/>
-                        <a:uFillTx/>
-                        <a:latin typeface="+mn-lt"/>
-                        <a:ea typeface="+mn-ea"/>
-                        <a:cs typeface="+mn-cs"/>
-                      </a:endParaRPr>
-                    </a:p>
-                  </a:txBody>
-                  <a:tcPr marL="91454" marR="91454" anchor="ctr">
-                    <a:lnL w="12700" cmpd="sng">
-                      <a:noFill/>
-                    </a:lnL>
-                    <a:lnR w="12700" cmpd="sng">
-                      <a:noFill/>
-                    </a:lnR>
-                    <a:lnT w="12700" cmpd="sng">
-                      <a:noFill/>
-                    </a:lnT>
-                    <a:lnB w="12700" cmpd="sng">
-                      <a:noFill/>
-                    </a:lnB>
-                    <a:lnTlToBr w="12700" cmpd="sng">
-                      <a:noFill/>
-                      <a:prstDash val="solid"/>
-                    </a:lnTlToBr>
-                    <a:lnBlToTr w="12700" cmpd="sng">
-                      <a:noFill/>
-                      <a:prstDash val="solid"/>
-                    </a:lnBlToTr>
-                  </a:tcPr>
-                </a:tc>
-                <a:tc>
-                  <a:txBody>
-                    <a:bodyPr/>
-                    <a:lstStyle/>
-                    <a:p>
-                      <a:pPr marL="0" algn="l" defTabSz="1476070" rtl="0" eaLnBrk="1" latinLnBrk="0" hangingPunct="1">
-                        <a:lnSpc>
-                          <a:spcPct val="100000"/>
-                        </a:lnSpc>
-                      </a:pPr>
-                      <a:r>
-                        <a:rPr kumimoji="0" lang="de-CH" sz="3200" b="0" i="0" u="none" strike="noStrike" kern="1200" cap="none" spc="0" normalizeH="0" baseline="0" dirty="0">
-                          <a:ln>
-                            <a:noFill/>
-                          </a:ln>
-                          <a:solidFill>
-                            <a:srgbClr val="697D91"/>
-                          </a:solidFill>
-                          <a:effectLst/>
-                          <a:uLnTx/>
-                          <a:uFillTx/>
-                          <a:latin typeface="Lucida Sans" pitchFamily="34" charset="0"/>
-                          <a:ea typeface="MS PGothic" pitchFamily="34" charset="-128"/>
-                          <a:cs typeface="+mn-cs"/>
-                        </a:rPr>
-                        <a:t>Quentin Flückiger</a:t>
-                      </a:r>
-                      <a:endParaRPr kumimoji="0" lang="fr-CH" sz="3200" b="0" i="0" u="none" strike="noStrike" kern="1200" cap="none" spc="0" normalizeH="0" baseline="0" dirty="0">
-                        <a:ln>
-                          <a:noFill/>
-                        </a:ln>
-                        <a:solidFill>
-                          <a:srgbClr val="697D91"/>
-                        </a:solidFill>
-                        <a:effectLst/>
-                        <a:uLnTx/>
-                        <a:uFillTx/>
-                        <a:latin typeface="Lucida Sans" pitchFamily="34" charset="0"/>
-                        <a:ea typeface="MS PGothic" pitchFamily="34" charset="-128"/>
-                        <a:cs typeface="+mn-cs"/>
-                      </a:endParaRPr>
-                    </a:p>
-                  </a:txBody>
-                  <a:tcPr marL="91454" marR="91454" anchor="ctr">
-                    <a:lnL w="12700" cmpd="sng">
-                      <a:noFill/>
-                    </a:lnL>
-                    <a:lnR w="12700" cmpd="sng">
-                      <a:noFill/>
-                    </a:lnR>
-                    <a:lnT w="12700" cmpd="sng">
-                      <a:noFill/>
-                    </a:lnT>
-                    <a:lnB w="12700" cmpd="sng">
-                      <a:noFill/>
-                    </a:lnB>
-                    <a:lnTlToBr w="12700" cmpd="sng">
-                      <a:noFill/>
-                      <a:prstDash val="solid"/>
-                    </a:lnTlToBr>
-                    <a:lnBlToTr w="12700" cmpd="sng">
-                      <a:noFill/>
-                      <a:prstDash val="solid"/>
-                    </a:lnBlToTr>
-                  </a:tcPr>
-                </a:tc>
-                <a:extLst>
-                  <a:ext uri="{0D108BD9-81ED-4DB2-BD59-A6C34878D82A}">
-                    <a16:rowId xmlns:a16="http://schemas.microsoft.com/office/drawing/2014/main" val="10000"/>
-                  </a:ext>
-                </a:extLst>
-              </a:tr>
-              <a:tr h="370840">
-                <a:tc>
-                  <a:txBody>
-                    <a:bodyPr/>
-                    <a:lstStyle/>
-                    <a:p>
-                      <a:pPr marL="0" marR="0" lvl="0" indent="0" algn="r" defTabSz="1474788" rtl="0" eaLnBrk="1" fontAlgn="base" latinLnBrk="0" hangingPunct="1">
-                        <a:lnSpc>
-                          <a:spcPct val="100000"/>
-                        </a:lnSpc>
-                        <a:spcBef>
-                          <a:spcPct val="0"/>
-                        </a:spcBef>
-                        <a:spcAft>
-                          <a:spcPct val="0"/>
-                        </a:spcAft>
-                        <a:buClr>
-                          <a:srgbClr val="FAA500"/>
-                        </a:buClr>
-                        <a:buSzPct val="80000"/>
-                        <a:buFontTx/>
-                        <a:buNone/>
-                        <a:tabLst/>
-                        <a:defRPr/>
-                      </a:pPr>
-                      <a:r>
-                        <a:rPr kumimoji="0" lang="de-DE" altLang="de-DE" sz="2400" b="0" i="0" u="none" strike="noStrike" kern="1200" cap="none" spc="0" normalizeH="0" baseline="0" noProof="0" dirty="0">
-                          <a:ln>
-                            <a:noFill/>
-                          </a:ln>
-                          <a:solidFill>
-                            <a:srgbClr val="697D91"/>
-                          </a:solidFill>
-                          <a:effectLst/>
-                          <a:uLnTx/>
-                          <a:uFillTx/>
-                          <a:latin typeface="Lucida Sans" pitchFamily="34" charset="0"/>
-                          <a:ea typeface="MS PGothic" pitchFamily="34" charset="-128"/>
-                          <a:cs typeface="+mn-cs"/>
-                        </a:rPr>
-                        <a:t>Professor:</a:t>
-                      </a:r>
-                      <a:endParaRPr kumimoji="0" lang="fr-CH" sz="2400" b="0" i="0" u="none" strike="noStrike" kern="1200" cap="none" spc="0" normalizeH="0" baseline="0" noProof="0" dirty="0">
-                        <a:ln>
-                          <a:noFill/>
-                        </a:ln>
-                        <a:solidFill>
-                          <a:srgbClr val="697D91"/>
-                        </a:solidFill>
-                        <a:effectLst/>
-                        <a:uLnTx/>
-                        <a:uFillTx/>
-                        <a:latin typeface="Lucida Sans" pitchFamily="34" charset="0"/>
-                        <a:ea typeface="MS PGothic" pitchFamily="34" charset="-128"/>
-                        <a:cs typeface="+mn-cs"/>
-                      </a:endParaRPr>
-                    </a:p>
-                  </a:txBody>
-                  <a:tcPr marL="91454" marR="91454" anchor="ctr">
-                    <a:lnL w="12700" cmpd="sng">
-                      <a:noFill/>
-                    </a:lnL>
-                    <a:lnR w="12700" cmpd="sng">
-                      <a:noFill/>
-                    </a:lnR>
-                    <a:lnT w="12700" cmpd="sng">
-                      <a:noFill/>
-                    </a:lnT>
-                    <a:lnB w="12700" cmpd="sng">
-                      <a:noFill/>
-                    </a:lnB>
-                    <a:lnTlToBr w="12700" cmpd="sng">
-                      <a:noFill/>
-                      <a:prstDash val="solid"/>
-                    </a:lnTlToBr>
-                    <a:lnBlToTr w="12700" cmpd="sng">
-                      <a:noFill/>
-                      <a:prstDash val="solid"/>
-                    </a:lnBlToTr>
-                  </a:tcPr>
-                </a:tc>
-                <a:tc>
-                  <a:txBody>
-                    <a:bodyPr/>
-                    <a:lstStyle/>
-                    <a:p>
-                      <a:pPr marL="0" algn="l" defTabSz="1476070" rtl="0" eaLnBrk="1" latinLnBrk="0" hangingPunct="1">
-                        <a:lnSpc>
-                          <a:spcPct val="100000"/>
-                        </a:lnSpc>
-                      </a:pPr>
-                      <a:r>
-                        <a:rPr kumimoji="0" lang="de-CH" sz="3200" b="0" i="0" u="none" strike="noStrike" kern="1200" cap="none" spc="0" normalizeH="0" baseline="0" dirty="0">
-                          <a:ln>
-                            <a:noFill/>
-                          </a:ln>
-                          <a:solidFill>
-                            <a:srgbClr val="697D91"/>
-                          </a:solidFill>
-                          <a:effectLst/>
-                          <a:uLnTx/>
-                          <a:uFillTx/>
-                          <a:latin typeface="Lucida Sans" pitchFamily="34" charset="0"/>
-                          <a:ea typeface="MS PGothic" pitchFamily="34" charset="-128"/>
-                          <a:cs typeface="+mn-cs"/>
-                        </a:rPr>
-                        <a:t>Marcus </a:t>
-                      </a:r>
-                      <a:r>
-                        <a:rPr kumimoji="0" lang="de-CH" sz="3200" b="0" i="0" u="none" strike="noStrike" kern="1200" cap="none" spc="0" normalizeH="0" baseline="0" dirty="0" err="1">
-                          <a:ln>
-                            <a:noFill/>
-                          </a:ln>
-                          <a:solidFill>
-                            <a:srgbClr val="697D91"/>
-                          </a:solidFill>
-                          <a:effectLst/>
-                          <a:uLnTx/>
-                          <a:uFillTx/>
-                          <a:latin typeface="Lucida Sans" pitchFamily="34" charset="0"/>
-                          <a:ea typeface="MS PGothic" pitchFamily="34" charset="-128"/>
-                          <a:cs typeface="+mn-cs"/>
-                        </a:rPr>
-                        <a:t>Hudritsch</a:t>
-                      </a:r>
-                      <a:endParaRPr kumimoji="0" lang="fr-CH" sz="3200" b="0" i="0" u="none" strike="noStrike" kern="1200" cap="none" spc="0" normalizeH="0" baseline="0" dirty="0">
-                        <a:ln>
-                          <a:noFill/>
-                        </a:ln>
-                        <a:solidFill>
-                          <a:srgbClr val="697D91"/>
-                        </a:solidFill>
-                        <a:effectLst/>
-                        <a:uLnTx/>
-                        <a:uFillTx/>
-                        <a:latin typeface="Lucida Sans" pitchFamily="34" charset="0"/>
-                        <a:ea typeface="MS PGothic" pitchFamily="34" charset="-128"/>
-                        <a:cs typeface="+mn-cs"/>
-                      </a:endParaRPr>
-                    </a:p>
-                  </a:txBody>
-                  <a:tcPr marL="91454" marR="91454" anchor="ctr">
-                    <a:lnL w="12700" cmpd="sng">
-                      <a:noFill/>
-                    </a:lnL>
-                    <a:lnR w="12700" cmpd="sng">
-                      <a:noFill/>
-                    </a:lnR>
-                    <a:lnT w="12700" cmpd="sng">
-                      <a:noFill/>
-                    </a:lnT>
-                    <a:lnB w="12700" cmpd="sng">
-                      <a:noFill/>
-                    </a:lnB>
-                    <a:lnTlToBr w="12700" cmpd="sng">
-                      <a:noFill/>
-                      <a:prstDash val="solid"/>
-                    </a:lnTlToBr>
-                    <a:lnBlToTr w="12700" cmpd="sng">
-                      <a:noFill/>
-                      <a:prstDash val="solid"/>
-                    </a:lnBlToTr>
-                  </a:tcPr>
-                </a:tc>
-                <a:extLst>
-                  <a:ext uri="{0D108BD9-81ED-4DB2-BD59-A6C34878D82A}">
-                    <a16:rowId xmlns:a16="http://schemas.microsoft.com/office/drawing/2014/main" val="10001"/>
-                  </a:ext>
-                </a:extLst>
-              </a:tr>
-              <a:tr h="370840">
-                <a:tc>
-                  <a:txBody>
-                    <a:bodyPr/>
-                    <a:lstStyle/>
-                    <a:p>
-                      <a:pPr marL="0" marR="0" lvl="0" indent="0" algn="r" defTabSz="1474788" rtl="0" eaLnBrk="1" fontAlgn="base" latinLnBrk="0" hangingPunct="1">
-                        <a:lnSpc>
-                          <a:spcPct val="100000"/>
-                        </a:lnSpc>
-                        <a:spcBef>
-                          <a:spcPct val="0"/>
-                        </a:spcBef>
-                        <a:spcAft>
-                          <a:spcPct val="0"/>
-                        </a:spcAft>
-                        <a:buClr>
-                          <a:srgbClr val="FAA500"/>
-                        </a:buClr>
-                        <a:buSzPct val="80000"/>
-                        <a:buFontTx/>
-                        <a:buNone/>
-                        <a:tabLst/>
-                        <a:defRPr/>
-                      </a:pPr>
-                      <a:r>
-                        <a:rPr kumimoji="0" lang="de-DE" altLang="de-DE" sz="2400" b="0" i="0" u="none" strike="noStrike" kern="1200" cap="none" spc="0" normalizeH="0" baseline="0" noProof="0" dirty="0">
-                          <a:ln>
-                            <a:noFill/>
-                          </a:ln>
-                          <a:solidFill>
-                            <a:srgbClr val="697D91"/>
-                          </a:solidFill>
-                          <a:effectLst/>
-                          <a:uLnTx/>
-                          <a:uFillTx/>
-                          <a:latin typeface="Lucida Sans" pitchFamily="34" charset="0"/>
-                          <a:ea typeface="MS PGothic" pitchFamily="34" charset="-128"/>
-                          <a:cs typeface="+mn-cs"/>
-                        </a:rPr>
-                        <a:t>Expert:</a:t>
-                      </a:r>
-                      <a:endParaRPr kumimoji="0" lang="fr-CH" sz="2400" b="0" i="0" u="none" strike="noStrike" kern="1200" cap="none" spc="0" normalizeH="0" baseline="0" noProof="0" dirty="0">
-                        <a:ln>
-                          <a:noFill/>
-                        </a:ln>
-                        <a:solidFill>
-                          <a:srgbClr val="697D91"/>
-                        </a:solidFill>
-                        <a:effectLst/>
-                        <a:uLnTx/>
-                        <a:uFillTx/>
-                        <a:latin typeface="Lucida Sans" pitchFamily="34" charset="0"/>
-                        <a:ea typeface="MS PGothic" pitchFamily="34" charset="-128"/>
-                        <a:cs typeface="+mn-cs"/>
-                      </a:endParaRPr>
-                    </a:p>
-                  </a:txBody>
-                  <a:tcPr marL="91454" marR="91454" anchor="ctr">
-                    <a:lnL w="12700" cmpd="sng">
-                      <a:noFill/>
-                    </a:lnL>
-                    <a:lnR w="12700" cmpd="sng">
-                      <a:noFill/>
-                    </a:lnR>
-                    <a:lnT w="12700" cmpd="sng">
-                      <a:noFill/>
-                    </a:lnT>
-                    <a:lnB w="12700" cmpd="sng">
-                      <a:noFill/>
-                    </a:lnB>
-                    <a:lnTlToBr w="12700" cmpd="sng">
-                      <a:noFill/>
-                      <a:prstDash val="solid"/>
-                    </a:lnTlToBr>
-                    <a:lnBlToTr w="12700" cmpd="sng">
-                      <a:noFill/>
-                      <a:prstDash val="solid"/>
-                    </a:lnBlToTr>
-                  </a:tcPr>
-                </a:tc>
-                <a:tc>
-                  <a:txBody>
-                    <a:bodyPr/>
-                    <a:lstStyle/>
-                    <a:p>
-                      <a:pPr marL="0" algn="l" defTabSz="1476070" rtl="0" eaLnBrk="1" latinLnBrk="0" hangingPunct="1">
-                        <a:lnSpc>
-                          <a:spcPct val="100000"/>
-                        </a:lnSpc>
-                      </a:pPr>
-                      <a:r>
-                        <a:rPr kumimoji="0" lang="de-CH" sz="3200" b="0" i="0" u="none" strike="noStrike" kern="1200" cap="none" spc="0" normalizeH="0" baseline="0" dirty="0">
-                          <a:ln>
-                            <a:noFill/>
-                          </a:ln>
-                          <a:solidFill>
-                            <a:srgbClr val="697D91"/>
-                          </a:solidFill>
-                          <a:effectLst/>
-                          <a:uLnTx/>
-                          <a:uFillTx/>
-                          <a:latin typeface="Lucida Sans" pitchFamily="34" charset="0"/>
-                          <a:ea typeface="MS PGothic" pitchFamily="34" charset="-128"/>
-                          <a:cs typeface="+mn-cs"/>
-                        </a:rPr>
-                        <a:t>Eric </a:t>
-                      </a:r>
-                      <a:r>
-                        <a:rPr kumimoji="0" lang="de-CH" sz="3200" b="0" i="0" u="none" strike="noStrike" kern="1200" cap="none" spc="0" normalizeH="0" baseline="0" dirty="0" err="1">
-                          <a:ln>
-                            <a:noFill/>
-                          </a:ln>
-                          <a:solidFill>
-                            <a:srgbClr val="697D91"/>
-                          </a:solidFill>
-                          <a:effectLst/>
-                          <a:uLnTx/>
-                          <a:uFillTx/>
-                          <a:latin typeface="Lucida Sans" pitchFamily="34" charset="0"/>
-                          <a:ea typeface="MS PGothic" pitchFamily="34" charset="-128"/>
-                          <a:cs typeface="+mn-cs"/>
-                        </a:rPr>
-                        <a:t>Dubuis</a:t>
-                      </a:r>
-                      <a:endParaRPr kumimoji="0" lang="fr-CH" sz="3200" b="0" i="0" u="none" strike="noStrike" kern="1200" cap="none" spc="0" normalizeH="0" baseline="0" dirty="0">
-                        <a:ln>
-                          <a:noFill/>
-                        </a:ln>
-                        <a:solidFill>
-                          <a:srgbClr val="697D91"/>
-                        </a:solidFill>
-                        <a:effectLst/>
-                        <a:uLnTx/>
-                        <a:uFillTx/>
-                        <a:latin typeface="Lucida Sans" pitchFamily="34" charset="0"/>
-                        <a:ea typeface="MS PGothic" pitchFamily="34" charset="-128"/>
-                        <a:cs typeface="+mn-cs"/>
-                      </a:endParaRPr>
-                    </a:p>
-                  </a:txBody>
-                  <a:tcPr marL="91454" marR="91454" anchor="ctr">
-                    <a:lnL w="12700" cmpd="sng">
-                      <a:noFill/>
-                    </a:lnL>
-                    <a:lnR w="12700" cmpd="sng">
-                      <a:noFill/>
-                    </a:lnR>
-                    <a:lnT w="12700" cmpd="sng">
-                      <a:noFill/>
-                    </a:lnT>
-                    <a:lnB w="12700" cmpd="sng">
-                      <a:noFill/>
-                    </a:lnB>
-                    <a:lnTlToBr w="12700" cmpd="sng">
-                      <a:noFill/>
-                      <a:prstDash val="solid"/>
-                    </a:lnTlToBr>
-                    <a:lnBlToTr w="12700" cmpd="sng">
-                      <a:noFill/>
-                      <a:prstDash val="solid"/>
-                    </a:lnBlToTr>
-                  </a:tcPr>
-                </a:tc>
-                <a:extLst>
-                  <a:ext uri="{0D108BD9-81ED-4DB2-BD59-A6C34878D82A}">
-                    <a16:rowId xmlns:a16="http://schemas.microsoft.com/office/drawing/2014/main" val="10002"/>
-                  </a:ext>
-                </a:extLst>
-              </a:tr>
-            </a:tbl>
-          </a:graphicData>
-        </a:graphic>
-      </p:graphicFrame>
       <p:sp>
         <p:nvSpPr>
           <p:cNvPr id="3" name="Textfeld 2"/>
@@ -1968,8 +1399,8 @@
         </p:blipFill>
         <p:spPr>
           <a:xfrm>
-            <a:off x="898774" y="11583155"/>
-            <a:ext cx="8666977" cy="5777985"/>
+            <a:off x="905082" y="11583155"/>
+            <a:ext cx="8654360" cy="5777984"/>
           </a:xfrm>
           <a:prstGeom prst="rect">
             <a:avLst/>
@@ -1998,8 +1429,8 @@
         </p:blipFill>
         <p:spPr>
           <a:xfrm>
-            <a:off x="21821893" y="896767"/>
-            <a:ext cx="5915025" cy="8077200"/>
+            <a:off x="20865022" y="896766"/>
+            <a:ext cx="7828767" cy="8406941"/>
           </a:xfrm>
           <a:prstGeom prst="rect">
             <a:avLst/>
@@ -2043,6 +1474,587 @@
           </a:p>
         </p:txBody>
       </p:sp>
+      <p:sp>
+        <p:nvSpPr>
+          <p:cNvPr id="12" name="Textfeld 1" descr="Bitte möglichst die vorgegebene Breite einhalten! Sollte dieser Platz nicht reichen, kann im oberen Teil ein zusätzlicher längerer Titel verwendet werden." title="Titelfeld">
+            <a:extLst>
+              <a:ext uri="{FF2B5EF4-FFF2-40B4-BE49-F238E27FC236}">
+                <a16:creationId xmlns:a16="http://schemas.microsoft.com/office/drawing/2014/main" id="{6227880B-0CED-4D86-9122-699795FF3B49}"/>
+              </a:ext>
+            </a:extLst>
+          </p:cNvPr>
+          <p:cNvSpPr txBox="1"/>
+          <p:nvPr/>
+        </p:nvSpPr>
+        <p:spPr>
+          <a:xfrm>
+            <a:off x="6583680" y="18414123"/>
+            <a:ext cx="16770096" cy="1323439"/>
+          </a:xfrm>
+          <a:prstGeom prst="rect">
+            <a:avLst/>
+          </a:prstGeom>
+          <a:noFill/>
+        </p:spPr>
+        <p:txBody>
+          <a:bodyPr wrap="none" lIns="72000" tIns="72000" rIns="72000" bIns="72000" rtlCol="0">
+            <a:normAutofit/>
+          </a:bodyPr>
+          <a:lstStyle/>
+          <a:p>
+            <a:pPr algn="ctr"/>
+            <a:r>
+              <a:rPr lang="en-GB" sz="7200" dirty="0">
+                <a:latin typeface="+mj-lt"/>
+              </a:rPr>
+              <a:t>Generic Smartphone Game Controller</a:t>
+            </a:r>
+          </a:p>
+        </p:txBody>
+      </p:sp>
+      <p:graphicFrame>
+        <p:nvGraphicFramePr>
+          <p:cNvPr id="15" name="Tabelle 6">
+            <a:extLst>
+              <a:ext uri="{FF2B5EF4-FFF2-40B4-BE49-F238E27FC236}">
+                <a16:creationId xmlns:a16="http://schemas.microsoft.com/office/drawing/2014/main" id="{0F715928-2B7D-479E-A685-A76B25EF9A9E}"/>
+              </a:ext>
+            </a:extLst>
+          </p:cNvPr>
+          <p:cNvGraphicFramePr>
+            <a:graphicFrameLocks noGrp="1"/>
+          </p:cNvGraphicFramePr>
+          <p:nvPr>
+            <p:extLst>
+              <p:ext uri="{D42A27DB-BD31-4B8C-83A1-F6EECF244321}">
+                <p14:modId xmlns:p14="http://schemas.microsoft.com/office/powerpoint/2010/main" val="917897860"/>
+              </p:ext>
+            </p:extLst>
+          </p:nvPr>
+        </p:nvGraphicFramePr>
+        <p:xfrm>
+          <a:off x="22549104" y="18414123"/>
+          <a:ext cx="6653226" cy="1737360"/>
+        </p:xfrm>
+        <a:graphic>
+          <a:graphicData uri="http://schemas.openxmlformats.org/drawingml/2006/table">
+            <a:tbl>
+              <a:tblPr firstRow="1" bandRow="1">
+                <a:tableStyleId>{5940675A-B579-460E-94D1-54222C63F5DA}</a:tableStyleId>
+              </a:tblPr>
+              <a:tblGrid>
+                <a:gridCol w="2869843">
+                  <a:extLst>
+                    <a:ext uri="{9D8B030D-6E8A-4147-A177-3AD203B41FA5}">
+                      <a16:colId xmlns:a16="http://schemas.microsoft.com/office/drawing/2014/main" val="20000"/>
+                    </a:ext>
+                  </a:extLst>
+                </a:gridCol>
+                <a:gridCol w="3783383">
+                  <a:extLst>
+                    <a:ext uri="{9D8B030D-6E8A-4147-A177-3AD203B41FA5}">
+                      <a16:colId xmlns:a16="http://schemas.microsoft.com/office/drawing/2014/main" val="20001"/>
+                    </a:ext>
+                  </a:extLst>
+                </a:gridCol>
+              </a:tblGrid>
+              <a:tr h="370840">
+                <a:tc>
+                  <a:txBody>
+                    <a:bodyPr/>
+                    <a:lstStyle/>
+                    <a:p>
+                      <a:pPr marL="0" marR="0" lvl="0" indent="0" algn="r" defTabSz="1474788" rtl="0" eaLnBrk="1" fontAlgn="base" latinLnBrk="0" hangingPunct="1">
+                        <a:lnSpc>
+                          <a:spcPct val="100000"/>
+                        </a:lnSpc>
+                        <a:spcBef>
+                          <a:spcPct val="0"/>
+                        </a:spcBef>
+                        <a:spcAft>
+                          <a:spcPct val="0"/>
+                        </a:spcAft>
+                        <a:buClr>
+                          <a:srgbClr val="FAA500"/>
+                        </a:buClr>
+                        <a:buSzPct val="80000"/>
+                        <a:buFontTx/>
+                        <a:buNone/>
+                        <a:tabLst/>
+                        <a:defRPr/>
+                      </a:pPr>
+                      <a:r>
+                        <a:rPr kumimoji="0" lang="de-DE" altLang="de-DE" sz="2400" b="0" i="0" u="none" strike="noStrike" kern="1200" cap="none" spc="0" normalizeH="0" baseline="0" noProof="0" dirty="0">
+                          <a:ln>
+                            <a:noFill/>
+                          </a:ln>
+                          <a:solidFill>
+                            <a:srgbClr val="697D91"/>
+                          </a:solidFill>
+                          <a:effectLst/>
+                          <a:uLnTx/>
+                          <a:uFillTx/>
+                          <a:latin typeface="Lucida Sans" pitchFamily="34" charset="0"/>
+                          <a:ea typeface="MS PGothic" pitchFamily="34" charset="-128"/>
+                          <a:cs typeface="+mn-cs"/>
+                        </a:rPr>
+                        <a:t>Graduate:</a:t>
+                      </a:r>
+                      <a:endParaRPr kumimoji="0" lang="fr-CH" sz="5400" b="0" i="0" u="none" strike="noStrike" kern="1200" cap="none" spc="0" normalizeH="0" baseline="0" noProof="0" dirty="0">
+                        <a:ln>
+                          <a:noFill/>
+                        </a:ln>
+                        <a:solidFill>
+                          <a:prstClr val="black"/>
+                        </a:solidFill>
+                        <a:effectLst/>
+                        <a:uLnTx/>
+                        <a:uFillTx/>
+                        <a:latin typeface="+mn-lt"/>
+                        <a:ea typeface="+mn-ea"/>
+                        <a:cs typeface="+mn-cs"/>
+                      </a:endParaRPr>
+                    </a:p>
+                  </a:txBody>
+                  <a:tcPr marL="91454" marR="91454" anchor="ctr">
+                    <a:lnL w="12700" cmpd="sng">
+                      <a:noFill/>
+                    </a:lnL>
+                    <a:lnR w="12700" cmpd="sng">
+                      <a:noFill/>
+                    </a:lnR>
+                    <a:lnT w="12700" cmpd="sng">
+                      <a:noFill/>
+                    </a:lnT>
+                    <a:lnB w="12700" cmpd="sng">
+                      <a:noFill/>
+                    </a:lnB>
+                    <a:lnTlToBr w="12700" cmpd="sng">
+                      <a:noFill/>
+                      <a:prstDash val="solid"/>
+                    </a:lnTlToBr>
+                    <a:lnBlToTr w="12700" cmpd="sng">
+                      <a:noFill/>
+                      <a:prstDash val="solid"/>
+                    </a:lnBlToTr>
+                  </a:tcPr>
+                </a:tc>
+                <a:tc>
+                  <a:txBody>
+                    <a:bodyPr/>
+                    <a:lstStyle/>
+                    <a:p>
+                      <a:pPr marL="0" algn="r" defTabSz="1476070" rtl="0" eaLnBrk="1" latinLnBrk="0" hangingPunct="1">
+                        <a:lnSpc>
+                          <a:spcPct val="100000"/>
+                        </a:lnSpc>
+                      </a:pPr>
+                      <a:r>
+                        <a:rPr kumimoji="0" lang="de-CH" sz="3200" b="0" i="0" u="none" strike="noStrike" kern="1200" cap="none" spc="0" normalizeH="0" baseline="0" dirty="0">
+                          <a:ln>
+                            <a:noFill/>
+                          </a:ln>
+                          <a:solidFill>
+                            <a:srgbClr val="697D91"/>
+                          </a:solidFill>
+                          <a:effectLst/>
+                          <a:uLnTx/>
+                          <a:uFillTx/>
+                          <a:latin typeface="Lucida Sans" pitchFamily="34" charset="0"/>
+                          <a:ea typeface="MS PGothic" pitchFamily="34" charset="-128"/>
+                          <a:cs typeface="+mn-cs"/>
+                        </a:rPr>
+                        <a:t>Quentin Flückiger</a:t>
+                      </a:r>
+                      <a:endParaRPr kumimoji="0" lang="fr-CH" sz="3200" b="0" i="0" u="none" strike="noStrike" kern="1200" cap="none" spc="0" normalizeH="0" baseline="0" dirty="0">
+                        <a:ln>
+                          <a:noFill/>
+                        </a:ln>
+                        <a:solidFill>
+                          <a:srgbClr val="697D91"/>
+                        </a:solidFill>
+                        <a:effectLst/>
+                        <a:uLnTx/>
+                        <a:uFillTx/>
+                        <a:latin typeface="Lucida Sans" pitchFamily="34" charset="0"/>
+                        <a:ea typeface="MS PGothic" pitchFamily="34" charset="-128"/>
+                        <a:cs typeface="+mn-cs"/>
+                      </a:endParaRPr>
+                    </a:p>
+                  </a:txBody>
+                  <a:tcPr marL="91454" marR="91454" anchor="ctr">
+                    <a:lnL w="12700" cmpd="sng">
+                      <a:noFill/>
+                    </a:lnL>
+                    <a:lnR w="12700" cmpd="sng">
+                      <a:noFill/>
+                    </a:lnR>
+                    <a:lnT w="12700" cmpd="sng">
+                      <a:noFill/>
+                    </a:lnT>
+                    <a:lnB w="12700" cmpd="sng">
+                      <a:noFill/>
+                    </a:lnB>
+                    <a:lnTlToBr w="12700" cmpd="sng">
+                      <a:noFill/>
+                      <a:prstDash val="solid"/>
+                    </a:lnTlToBr>
+                    <a:lnBlToTr w="12700" cmpd="sng">
+                      <a:noFill/>
+                      <a:prstDash val="solid"/>
+                    </a:lnBlToTr>
+                  </a:tcPr>
+                </a:tc>
+                <a:extLst>
+                  <a:ext uri="{0D108BD9-81ED-4DB2-BD59-A6C34878D82A}">
+                    <a16:rowId xmlns:a16="http://schemas.microsoft.com/office/drawing/2014/main" val="10000"/>
+                  </a:ext>
+                </a:extLst>
+              </a:tr>
+              <a:tr h="370840">
+                <a:tc>
+                  <a:txBody>
+                    <a:bodyPr/>
+                    <a:lstStyle/>
+                    <a:p>
+                      <a:pPr marL="0" marR="0" lvl="0" indent="0" algn="r" defTabSz="1474788" rtl="0" eaLnBrk="1" fontAlgn="base" latinLnBrk="0" hangingPunct="1">
+                        <a:lnSpc>
+                          <a:spcPct val="100000"/>
+                        </a:lnSpc>
+                        <a:spcBef>
+                          <a:spcPct val="0"/>
+                        </a:spcBef>
+                        <a:spcAft>
+                          <a:spcPct val="0"/>
+                        </a:spcAft>
+                        <a:buClr>
+                          <a:srgbClr val="FAA500"/>
+                        </a:buClr>
+                        <a:buSzPct val="80000"/>
+                        <a:buFontTx/>
+                        <a:buNone/>
+                        <a:tabLst/>
+                        <a:defRPr/>
+                      </a:pPr>
+                      <a:r>
+                        <a:rPr kumimoji="0" lang="de-DE" altLang="de-DE" sz="2400" b="0" i="0" u="none" strike="noStrike" kern="1200" cap="none" spc="0" normalizeH="0" baseline="0" noProof="0" dirty="0">
+                          <a:ln>
+                            <a:noFill/>
+                          </a:ln>
+                          <a:solidFill>
+                            <a:srgbClr val="697D91"/>
+                          </a:solidFill>
+                          <a:effectLst/>
+                          <a:uLnTx/>
+                          <a:uFillTx/>
+                          <a:latin typeface="Lucida Sans" pitchFamily="34" charset="0"/>
+                          <a:ea typeface="MS PGothic" pitchFamily="34" charset="-128"/>
+                          <a:cs typeface="+mn-cs"/>
+                        </a:rPr>
+                        <a:t>Professor:</a:t>
+                      </a:r>
+                      <a:endParaRPr kumimoji="0" lang="fr-CH" sz="2400" b="0" i="0" u="none" strike="noStrike" kern="1200" cap="none" spc="0" normalizeH="0" baseline="0" noProof="0" dirty="0">
+                        <a:ln>
+                          <a:noFill/>
+                        </a:ln>
+                        <a:solidFill>
+                          <a:srgbClr val="697D91"/>
+                        </a:solidFill>
+                        <a:effectLst/>
+                        <a:uLnTx/>
+                        <a:uFillTx/>
+                        <a:latin typeface="Lucida Sans" pitchFamily="34" charset="0"/>
+                        <a:ea typeface="MS PGothic" pitchFamily="34" charset="-128"/>
+                        <a:cs typeface="+mn-cs"/>
+                      </a:endParaRPr>
+                    </a:p>
+                  </a:txBody>
+                  <a:tcPr marL="91454" marR="91454" anchor="ctr">
+                    <a:lnL w="12700" cmpd="sng">
+                      <a:noFill/>
+                    </a:lnL>
+                    <a:lnR w="12700" cmpd="sng">
+                      <a:noFill/>
+                    </a:lnR>
+                    <a:lnT w="12700" cmpd="sng">
+                      <a:noFill/>
+                    </a:lnT>
+                    <a:lnB w="12700" cmpd="sng">
+                      <a:noFill/>
+                    </a:lnB>
+                    <a:lnTlToBr w="12700" cmpd="sng">
+                      <a:noFill/>
+                      <a:prstDash val="solid"/>
+                    </a:lnTlToBr>
+                    <a:lnBlToTr w="12700" cmpd="sng">
+                      <a:noFill/>
+                      <a:prstDash val="solid"/>
+                    </a:lnBlToTr>
+                  </a:tcPr>
+                </a:tc>
+                <a:tc>
+                  <a:txBody>
+                    <a:bodyPr/>
+                    <a:lstStyle/>
+                    <a:p>
+                      <a:pPr marL="0" algn="r" defTabSz="1476070" rtl="0" eaLnBrk="1" latinLnBrk="0" hangingPunct="1">
+                        <a:lnSpc>
+                          <a:spcPct val="100000"/>
+                        </a:lnSpc>
+                      </a:pPr>
+                      <a:r>
+                        <a:rPr kumimoji="0" lang="de-CH" sz="3200" b="0" i="0" u="none" strike="noStrike" kern="1200" cap="none" spc="0" normalizeH="0" baseline="0" dirty="0">
+                          <a:ln>
+                            <a:noFill/>
+                          </a:ln>
+                          <a:solidFill>
+                            <a:srgbClr val="697D91"/>
+                          </a:solidFill>
+                          <a:effectLst/>
+                          <a:uLnTx/>
+                          <a:uFillTx/>
+                          <a:latin typeface="Lucida Sans" pitchFamily="34" charset="0"/>
+                          <a:ea typeface="MS PGothic" pitchFamily="34" charset="-128"/>
+                          <a:cs typeface="+mn-cs"/>
+                        </a:rPr>
+                        <a:t>Marcus </a:t>
+                      </a:r>
+                      <a:r>
+                        <a:rPr kumimoji="0" lang="de-CH" sz="3200" b="0" i="0" u="none" strike="noStrike" kern="1200" cap="none" spc="0" normalizeH="0" baseline="0" dirty="0" err="1">
+                          <a:ln>
+                            <a:noFill/>
+                          </a:ln>
+                          <a:solidFill>
+                            <a:srgbClr val="697D91"/>
+                          </a:solidFill>
+                          <a:effectLst/>
+                          <a:uLnTx/>
+                          <a:uFillTx/>
+                          <a:latin typeface="Lucida Sans" pitchFamily="34" charset="0"/>
+                          <a:ea typeface="MS PGothic" pitchFamily="34" charset="-128"/>
+                          <a:cs typeface="+mn-cs"/>
+                        </a:rPr>
+                        <a:t>Hudritsch</a:t>
+                      </a:r>
+                      <a:endParaRPr kumimoji="0" lang="fr-CH" sz="3200" b="0" i="0" u="none" strike="noStrike" kern="1200" cap="none" spc="0" normalizeH="0" baseline="0" dirty="0">
+                        <a:ln>
+                          <a:noFill/>
+                        </a:ln>
+                        <a:solidFill>
+                          <a:srgbClr val="697D91"/>
+                        </a:solidFill>
+                        <a:effectLst/>
+                        <a:uLnTx/>
+                        <a:uFillTx/>
+                        <a:latin typeface="Lucida Sans" pitchFamily="34" charset="0"/>
+                        <a:ea typeface="MS PGothic" pitchFamily="34" charset="-128"/>
+                        <a:cs typeface="+mn-cs"/>
+                      </a:endParaRPr>
+                    </a:p>
+                  </a:txBody>
+                  <a:tcPr marL="91454" marR="91454" anchor="ctr">
+                    <a:lnL w="12700" cmpd="sng">
+                      <a:noFill/>
+                    </a:lnL>
+                    <a:lnR w="12700" cmpd="sng">
+                      <a:noFill/>
+                    </a:lnR>
+                    <a:lnT w="12700" cmpd="sng">
+                      <a:noFill/>
+                    </a:lnT>
+                    <a:lnB w="12700" cmpd="sng">
+                      <a:noFill/>
+                    </a:lnB>
+                    <a:lnTlToBr w="12700" cmpd="sng">
+                      <a:noFill/>
+                      <a:prstDash val="solid"/>
+                    </a:lnTlToBr>
+                    <a:lnBlToTr w="12700" cmpd="sng">
+                      <a:noFill/>
+                      <a:prstDash val="solid"/>
+                    </a:lnBlToTr>
+                  </a:tcPr>
+                </a:tc>
+                <a:extLst>
+                  <a:ext uri="{0D108BD9-81ED-4DB2-BD59-A6C34878D82A}">
+                    <a16:rowId xmlns:a16="http://schemas.microsoft.com/office/drawing/2014/main" val="10001"/>
+                  </a:ext>
+                </a:extLst>
+              </a:tr>
+              <a:tr h="370840">
+                <a:tc>
+                  <a:txBody>
+                    <a:bodyPr/>
+                    <a:lstStyle/>
+                    <a:p>
+                      <a:pPr marL="0" marR="0" lvl="0" indent="0" algn="r" defTabSz="1474788" rtl="0" eaLnBrk="1" fontAlgn="base" latinLnBrk="0" hangingPunct="1">
+                        <a:lnSpc>
+                          <a:spcPct val="100000"/>
+                        </a:lnSpc>
+                        <a:spcBef>
+                          <a:spcPct val="0"/>
+                        </a:spcBef>
+                        <a:spcAft>
+                          <a:spcPct val="0"/>
+                        </a:spcAft>
+                        <a:buClr>
+                          <a:srgbClr val="FAA500"/>
+                        </a:buClr>
+                        <a:buSzPct val="80000"/>
+                        <a:buFontTx/>
+                        <a:buNone/>
+                        <a:tabLst/>
+                        <a:defRPr/>
+                      </a:pPr>
+                      <a:r>
+                        <a:rPr kumimoji="0" lang="de-DE" altLang="de-DE" sz="2400" b="0" i="0" u="none" strike="noStrike" kern="1200" cap="none" spc="0" normalizeH="0" baseline="0" noProof="0" dirty="0">
+                          <a:ln>
+                            <a:noFill/>
+                          </a:ln>
+                          <a:solidFill>
+                            <a:srgbClr val="697D91"/>
+                          </a:solidFill>
+                          <a:effectLst/>
+                          <a:uLnTx/>
+                          <a:uFillTx/>
+                          <a:latin typeface="Lucida Sans" pitchFamily="34" charset="0"/>
+                          <a:ea typeface="MS PGothic" pitchFamily="34" charset="-128"/>
+                          <a:cs typeface="+mn-cs"/>
+                        </a:rPr>
+                        <a:t>Expert:</a:t>
+                      </a:r>
+                      <a:endParaRPr kumimoji="0" lang="fr-CH" sz="2400" b="0" i="0" u="none" strike="noStrike" kern="1200" cap="none" spc="0" normalizeH="0" baseline="0" noProof="0" dirty="0">
+                        <a:ln>
+                          <a:noFill/>
+                        </a:ln>
+                        <a:solidFill>
+                          <a:srgbClr val="697D91"/>
+                        </a:solidFill>
+                        <a:effectLst/>
+                        <a:uLnTx/>
+                        <a:uFillTx/>
+                        <a:latin typeface="Lucida Sans" pitchFamily="34" charset="0"/>
+                        <a:ea typeface="MS PGothic" pitchFamily="34" charset="-128"/>
+                        <a:cs typeface="+mn-cs"/>
+                      </a:endParaRPr>
+                    </a:p>
+                  </a:txBody>
+                  <a:tcPr marL="91454" marR="91454" anchor="ctr">
+                    <a:lnL w="12700" cmpd="sng">
+                      <a:noFill/>
+                    </a:lnL>
+                    <a:lnR w="12700" cmpd="sng">
+                      <a:noFill/>
+                    </a:lnR>
+                    <a:lnT w="12700" cmpd="sng">
+                      <a:noFill/>
+                    </a:lnT>
+                    <a:lnB w="12700" cmpd="sng">
+                      <a:noFill/>
+                    </a:lnB>
+                    <a:lnTlToBr w="12700" cmpd="sng">
+                      <a:noFill/>
+                      <a:prstDash val="solid"/>
+                    </a:lnTlToBr>
+                    <a:lnBlToTr w="12700" cmpd="sng">
+                      <a:noFill/>
+                      <a:prstDash val="solid"/>
+                    </a:lnBlToTr>
+                  </a:tcPr>
+                </a:tc>
+                <a:tc>
+                  <a:txBody>
+                    <a:bodyPr/>
+                    <a:lstStyle/>
+                    <a:p>
+                      <a:pPr marL="0" algn="r" defTabSz="1476070" rtl="0" eaLnBrk="1" latinLnBrk="0" hangingPunct="1">
+                        <a:lnSpc>
+                          <a:spcPct val="100000"/>
+                        </a:lnSpc>
+                      </a:pPr>
+                      <a:r>
+                        <a:rPr kumimoji="0" lang="de-CH" sz="3200" b="0" i="0" u="none" strike="noStrike" kern="1200" cap="none" spc="0" normalizeH="0" baseline="0" dirty="0">
+                          <a:ln>
+                            <a:noFill/>
+                          </a:ln>
+                          <a:solidFill>
+                            <a:srgbClr val="697D91"/>
+                          </a:solidFill>
+                          <a:effectLst/>
+                          <a:uLnTx/>
+                          <a:uFillTx/>
+                          <a:latin typeface="Lucida Sans" pitchFamily="34" charset="0"/>
+                          <a:ea typeface="MS PGothic" pitchFamily="34" charset="-128"/>
+                          <a:cs typeface="+mn-cs"/>
+                        </a:rPr>
+                        <a:t>Eric </a:t>
+                      </a:r>
+                      <a:r>
+                        <a:rPr kumimoji="0" lang="de-CH" sz="3200" b="0" i="0" u="none" strike="noStrike" kern="1200" cap="none" spc="0" normalizeH="0" baseline="0" dirty="0" err="1">
+                          <a:ln>
+                            <a:noFill/>
+                          </a:ln>
+                          <a:solidFill>
+                            <a:srgbClr val="697D91"/>
+                          </a:solidFill>
+                          <a:effectLst/>
+                          <a:uLnTx/>
+                          <a:uFillTx/>
+                          <a:latin typeface="Lucida Sans" pitchFamily="34" charset="0"/>
+                          <a:ea typeface="MS PGothic" pitchFamily="34" charset="-128"/>
+                          <a:cs typeface="+mn-cs"/>
+                        </a:rPr>
+                        <a:t>Dubuis</a:t>
+                      </a:r>
+                      <a:endParaRPr kumimoji="0" lang="fr-CH" sz="3200" b="0" i="0" u="none" strike="noStrike" kern="1200" cap="none" spc="0" normalizeH="0" baseline="0" dirty="0">
+                        <a:ln>
+                          <a:noFill/>
+                        </a:ln>
+                        <a:solidFill>
+                          <a:srgbClr val="697D91"/>
+                        </a:solidFill>
+                        <a:effectLst/>
+                        <a:uLnTx/>
+                        <a:uFillTx/>
+                        <a:latin typeface="Lucida Sans" pitchFamily="34" charset="0"/>
+                        <a:ea typeface="MS PGothic" pitchFamily="34" charset="-128"/>
+                        <a:cs typeface="+mn-cs"/>
+                      </a:endParaRPr>
+                    </a:p>
+                  </a:txBody>
+                  <a:tcPr marL="91454" marR="91454" anchor="ctr">
+                    <a:lnL w="12700" cmpd="sng">
+                      <a:noFill/>
+                    </a:lnL>
+                    <a:lnR w="12700" cmpd="sng">
+                      <a:noFill/>
+                    </a:lnR>
+                    <a:lnT w="12700" cmpd="sng">
+                      <a:noFill/>
+                    </a:lnT>
+                    <a:lnB w="12700" cmpd="sng">
+                      <a:noFill/>
+                    </a:lnB>
+                    <a:lnTlToBr w="12700" cmpd="sng">
+                      <a:noFill/>
+                      <a:prstDash val="solid"/>
+                    </a:lnTlToBr>
+                    <a:lnBlToTr w="12700" cmpd="sng">
+                      <a:noFill/>
+                      <a:prstDash val="solid"/>
+                    </a:lnBlToTr>
+                  </a:tcPr>
+                </a:tc>
+                <a:extLst>
+                  <a:ext uri="{0D108BD9-81ED-4DB2-BD59-A6C34878D82A}">
+                    <a16:rowId xmlns:a16="http://schemas.microsoft.com/office/drawing/2014/main" val="10002"/>
+                  </a:ext>
+                </a:extLst>
+              </a:tr>
+            </a:tbl>
+          </a:graphicData>
+        </a:graphic>
+      </p:graphicFrame>
     </p:spTree>
     <p:extLst>
       <p:ext uri="{BB962C8B-B14F-4D97-AF65-F5344CB8AC3E}">
